--- a/Lectures/week 7/week 7 - Link Based Ranking.pptx
+++ b/Lectures/week 7/week 7 - Link Based Ranking.pptx
@@ -5011,7 +5011,23 @@
           <a:p>
             <a:r>
               <a:rPr lang="en-US" sz="1000" dirty="0"/>
-              <a:t>For exploiting similarity, we exploit the redundancy among similar lists. Based on the observation that similar lists are more likely to occur in a lexicographical neighborhood, in a first step a window of neighboring lists is searched for a most similar list. If such a list is found, it is called reference list. Then for the given adjacency list to be compressed, only the data necessary to reconstruct the list from the reference list will be stored. For this it is necessary to store two types of data:</a:t>
+              <a:t>For exploiting similarity, we exploit the redundancy among similar lists. Based on the observation that similar lists are more likely to occur in a lexicographical neighborhood, in a first step a sliding window of neighboring lists that have already </a:t>
+            </a:r>
+            <a:r>
+              <a:rPr lang="en-US" sz="1000"/>
+              <a:t>been processed </a:t>
+            </a:r>
+            <a:r>
+              <a:rPr lang="en-US" sz="1000" dirty="0"/>
+              <a:t>is searched for a most </a:t>
+            </a:r>
+            <a:r>
+              <a:rPr lang="en-US" sz="1000"/>
+              <a:t>similar list. </a:t>
+            </a:r>
+            <a:r>
+              <a:rPr lang="en-US" sz="1000" dirty="0"/>
+              <a:t>If such a list is found, it is called reference list. Then for the given adjacency list to be compressed, only the data necessary to reconstruct the list from the reference list will be stored. For this it is necessary to store two types of data:</a:t>
             </a:r>
           </a:p>
           <a:p>
@@ -9455,14 +9471,14 @@
                       <a:effectLst/>
                       <a:extLst>
                         <a:ext uri="{909E8E84-426E-40dd-AFC4-6F175D3DCCD1}">
-                          <a14:hiddenFill xmlns="" xmlns:a14="http://schemas.microsoft.com/office/drawing/2010/main">
+                          <a14:hiddenFill xmlns:a14="http://schemas.microsoft.com/office/drawing/2010/main" xmlns="">
                             <a:solidFill>
                               <a:schemeClr val="accent1"/>
                             </a:solidFill>
                           </a14:hiddenFill>
                         </a:ext>
                         <a:ext uri="{91240B29-F687-4f45-9708-019B960494DF}">
-                          <a14:hiddenLine xmlns="" xmlns:a14="http://schemas.microsoft.com/office/drawing/2010/main" w="9525">
+                          <a14:hiddenLine xmlns:a14="http://schemas.microsoft.com/office/drawing/2010/main" xmlns="" w="9525">
                             <a:solidFill>
                               <a:schemeClr val="tx1"/>
                             </a:solidFill>
@@ -9472,7 +9488,7 @@
                           </a14:hiddenLine>
                         </a:ext>
                         <a:ext uri="{AF507438-7753-43e0-B8FC-AC1667EBCBE1}">
-                          <a14:hiddenEffects xmlns="" xmlns:a14="http://schemas.microsoft.com/office/drawing/2010/main">
+                          <a14:hiddenEffects xmlns:a14="http://schemas.microsoft.com/office/drawing/2010/main" xmlns="">
                             <a:effectLst>
                               <a:outerShdw blurRad="63500" dist="38097" dir="2700000" algn="ctr" rotWithShape="0">
                                 <a:schemeClr val="bg2">
@@ -10499,14 +10515,14 @@
                       <a:effectLst/>
                       <a:extLst>
                         <a:ext uri="{909E8E84-426E-40dd-AFC4-6F175D3DCCD1}">
-                          <a14:hiddenFill xmlns="" xmlns:a14="http://schemas.microsoft.com/office/drawing/2010/main">
+                          <a14:hiddenFill xmlns:a14="http://schemas.microsoft.com/office/drawing/2010/main" xmlns="">
                             <a:solidFill>
                               <a:schemeClr val="accent1"/>
                             </a:solidFill>
                           </a14:hiddenFill>
                         </a:ext>
                         <a:ext uri="{91240B29-F687-4f45-9708-019B960494DF}">
-                          <a14:hiddenLine xmlns="" xmlns:a14="http://schemas.microsoft.com/office/drawing/2010/main" w="9525">
+                          <a14:hiddenLine xmlns:a14="http://schemas.microsoft.com/office/drawing/2010/main" xmlns="" w="9525">
                             <a:solidFill>
                               <a:schemeClr val="tx1"/>
                             </a:solidFill>
@@ -10516,7 +10532,7 @@
                           </a14:hiddenLine>
                         </a:ext>
                         <a:ext uri="{AF507438-7753-43e0-B8FC-AC1667EBCBE1}">
-                          <a14:hiddenEffects xmlns="" xmlns:a14="http://schemas.microsoft.com/office/drawing/2010/main">
+                          <a14:hiddenEffects xmlns:a14="http://schemas.microsoft.com/office/drawing/2010/main" xmlns="">
                             <a:effectLst>
                               <a:outerShdw blurRad="63500" dist="38097" dir="2700000" algn="ctr" rotWithShape="0">
                                 <a:schemeClr val="bg2">
@@ -10620,7 +10636,7 @@
                       <a:noFill/>
                       <a:extLst>
                         <a:ext uri="{909E8E84-426E-40dd-AFC4-6F175D3DCCD1}">
-                          <a14:hiddenFill xmlns="" xmlns:a14="http://schemas.microsoft.com/office/drawing/2010/main">
+                          <a14:hiddenFill xmlns:a14="http://schemas.microsoft.com/office/drawing/2010/main" xmlns="">
                             <a:solidFill>
                               <a:srgbClr val="FFFFFF"/>
                             </a:solidFill>
@@ -11458,7 +11474,7 @@
                       <a:noFill/>
                       <a:extLst>
                         <a:ext uri="{909E8E84-426E-40dd-AFC4-6F175D3DCCD1}">
-                          <a14:hiddenFill xmlns="" xmlns:a14="http://schemas.microsoft.com/office/drawing/2010/main">
+                          <a14:hiddenFill xmlns:a14="http://schemas.microsoft.com/office/drawing/2010/main" xmlns="">
                             <a:solidFill>
                               <a:srgbClr val="FFFFFF"/>
                             </a:solidFill>
@@ -12307,7 +12323,7 @@
                       <a:noFill/>
                       <a:extLst>
                         <a:ext uri="{909E8E84-426E-40dd-AFC4-6F175D3DCCD1}">
-                          <a14:hiddenFill xmlns="" xmlns:a14="http://schemas.microsoft.com/office/drawing/2010/main">
+                          <a14:hiddenFill xmlns:a14="http://schemas.microsoft.com/office/drawing/2010/main" xmlns="">
                             <a:solidFill>
                               <a:srgbClr val="FFFFFF"/>
                             </a:solidFill>
@@ -12608,7 +12624,7 @@
                       <a:noFill/>
                       <a:extLst>
                         <a:ext uri="{909E8E84-426E-40dd-AFC4-6F175D3DCCD1}">
-                          <a14:hiddenFill xmlns="" xmlns:a14="http://schemas.microsoft.com/office/drawing/2010/main">
+                          <a14:hiddenFill xmlns:a14="http://schemas.microsoft.com/office/drawing/2010/main" xmlns="">
                             <a:solidFill>
                               <a:srgbClr val="FFFFFF"/>
                             </a:solidFill>
@@ -12909,7 +12925,7 @@
           </a:ln>
           <a:extLst>
             <a:ext uri="{909E8E84-426E-40dd-AFC4-6F175D3DCCD1}">
-              <a14:hiddenFill xmlns="" xmlns:a14="http://schemas.microsoft.com/office/drawing/2010/main">
+              <a14:hiddenFill xmlns:a14="http://schemas.microsoft.com/office/drawing/2010/main" xmlns="">
                 <a:noFill/>
               </a14:hiddenFill>
             </a:ext>
@@ -12950,7 +12966,7 @@
           </a:ln>
           <a:extLst>
             <a:ext uri="{909E8E84-426E-40dd-AFC4-6F175D3DCCD1}">
-              <a14:hiddenFill xmlns="" xmlns:a14="http://schemas.microsoft.com/office/drawing/2010/main">
+              <a14:hiddenFill xmlns:a14="http://schemas.microsoft.com/office/drawing/2010/main" xmlns="">
                 <a:noFill/>
               </a14:hiddenFill>
             </a:ext>
@@ -12991,7 +13007,7 @@
           </a:ln>
           <a:extLst>
             <a:ext uri="{909E8E84-426E-40dd-AFC4-6F175D3DCCD1}">
-              <a14:hiddenFill xmlns="" xmlns:a14="http://schemas.microsoft.com/office/drawing/2010/main">
+              <a14:hiddenFill xmlns:a14="http://schemas.microsoft.com/office/drawing/2010/main" xmlns="">
                 <a:noFill/>
               </a14:hiddenFill>
             </a:ext>
@@ -13033,7 +13049,7 @@
           </a:ln>
           <a:extLst>
             <a:ext uri="{909E8E84-426E-40dd-AFC4-6F175D3DCCD1}">
-              <a14:hiddenFill xmlns="" xmlns:a14="http://schemas.microsoft.com/office/drawing/2010/main">
+              <a14:hiddenFill xmlns:a14="http://schemas.microsoft.com/office/drawing/2010/main" xmlns="">
                 <a:noFill/>
               </a14:hiddenFill>
             </a:ext>
@@ -13069,14 +13085,14 @@
           </a:ln>
           <a:extLst>
             <a:ext uri="{909E8E84-426E-40dd-AFC4-6F175D3DCCD1}">
-              <a14:hiddenFill xmlns="" xmlns:a14="http://schemas.microsoft.com/office/drawing/2010/main">
+              <a14:hiddenFill xmlns:a14="http://schemas.microsoft.com/office/drawing/2010/main" xmlns="">
                 <a:solidFill>
                   <a:srgbClr val="FFFFFF"/>
                 </a:solidFill>
               </a14:hiddenFill>
             </a:ext>
             <a:ext uri="{91240B29-F687-4f45-9708-019B960494DF}">
-              <a14:hiddenLine xmlns="" xmlns:a14="http://schemas.microsoft.com/office/drawing/2010/main" w="9525">
+              <a14:hiddenLine xmlns:a14="http://schemas.microsoft.com/office/drawing/2010/main" xmlns="" w="9525">
                 <a:solidFill>
                   <a:srgbClr val="000000"/>
                 </a:solidFill>
@@ -13240,14 +13256,14 @@
           </a:ln>
           <a:extLst>
             <a:ext uri="{909E8E84-426E-40dd-AFC4-6F175D3DCCD1}">
-              <a14:hiddenFill xmlns="" xmlns:a14="http://schemas.microsoft.com/office/drawing/2010/main">
+              <a14:hiddenFill xmlns:a14="http://schemas.microsoft.com/office/drawing/2010/main" xmlns="">
                 <a:solidFill>
                   <a:srgbClr val="FFFFFF"/>
                 </a:solidFill>
               </a14:hiddenFill>
             </a:ext>
             <a:ext uri="{91240B29-F687-4f45-9708-019B960494DF}">
-              <a14:hiddenLine xmlns="" xmlns:a14="http://schemas.microsoft.com/office/drawing/2010/main" w="9525">
+              <a14:hiddenLine xmlns:a14="http://schemas.microsoft.com/office/drawing/2010/main" xmlns="" w="9525">
                 <a:solidFill>
                   <a:srgbClr val="000000"/>
                 </a:solidFill>
@@ -13613,14 +13629,14 @@
                       <a:effectLst/>
                       <a:extLst>
                         <a:ext uri="{909E8E84-426E-40dd-AFC4-6F175D3DCCD1}">
-                          <a14:hiddenFill xmlns="" xmlns:a14="http://schemas.microsoft.com/office/drawing/2010/main">
+                          <a14:hiddenFill xmlns:a14="http://schemas.microsoft.com/office/drawing/2010/main" xmlns="">
                             <a:solidFill>
                               <a:schemeClr val="accent1"/>
                             </a:solidFill>
                           </a14:hiddenFill>
                         </a:ext>
                         <a:ext uri="{91240B29-F687-4f45-9708-019B960494DF}">
-                          <a14:hiddenLine xmlns="" xmlns:a14="http://schemas.microsoft.com/office/drawing/2010/main" w="9525">
+                          <a14:hiddenLine xmlns:a14="http://schemas.microsoft.com/office/drawing/2010/main" xmlns="" w="9525">
                             <a:solidFill>
                               <a:schemeClr val="tx1"/>
                             </a:solidFill>
@@ -13630,7 +13646,7 @@
                           </a14:hiddenLine>
                         </a:ext>
                         <a:ext uri="{AF507438-7753-43e0-B8FC-AC1667EBCBE1}">
-                          <a14:hiddenEffects xmlns="" xmlns:a14="http://schemas.microsoft.com/office/drawing/2010/main">
+                          <a14:hiddenEffects xmlns:a14="http://schemas.microsoft.com/office/drawing/2010/main" xmlns="">
                             <a:effectLst>
                               <a:outerShdw blurRad="63500" dist="38097" dir="2700000" algn="ctr" rotWithShape="0">
                                 <a:schemeClr val="bg2">
@@ -14398,14 +14414,14 @@
                       <a:effectLst/>
                       <a:extLst>
                         <a:ext uri="{909E8E84-426E-40dd-AFC4-6F175D3DCCD1}">
-                          <a14:hiddenFill xmlns="" xmlns:a14="http://schemas.microsoft.com/office/drawing/2010/main">
+                          <a14:hiddenFill xmlns:a14="http://schemas.microsoft.com/office/drawing/2010/main" xmlns="">
                             <a:solidFill>
                               <a:schemeClr val="accent1"/>
                             </a:solidFill>
                           </a14:hiddenFill>
                         </a:ext>
                         <a:ext uri="{91240B29-F687-4f45-9708-019B960494DF}">
-                          <a14:hiddenLine xmlns="" xmlns:a14="http://schemas.microsoft.com/office/drawing/2010/main" w="9525">
+                          <a14:hiddenLine xmlns:a14="http://schemas.microsoft.com/office/drawing/2010/main" xmlns="" w="9525">
                             <a:solidFill>
                               <a:schemeClr val="tx1"/>
                             </a:solidFill>
@@ -14415,7 +14431,7 @@
                           </a14:hiddenLine>
                         </a:ext>
                         <a:ext uri="{AF507438-7753-43e0-B8FC-AC1667EBCBE1}">
-                          <a14:hiddenEffects xmlns="" xmlns:a14="http://schemas.microsoft.com/office/drawing/2010/main">
+                          <a14:hiddenEffects xmlns:a14="http://schemas.microsoft.com/office/drawing/2010/main" xmlns="">
                             <a:effectLst>
                               <a:outerShdw blurRad="63500" dist="38097" dir="2700000" algn="ctr" rotWithShape="0">
                                 <a:schemeClr val="bg2">
@@ -15192,7 +15208,7 @@
                       <a:noFill/>
                       <a:extLst>
                         <a:ext uri="{909E8E84-426E-40dd-AFC4-6F175D3DCCD1}">
-                          <a14:hiddenFill xmlns="" xmlns:a14="http://schemas.microsoft.com/office/drawing/2010/main">
+                          <a14:hiddenFill xmlns:a14="http://schemas.microsoft.com/office/drawing/2010/main" xmlns="">
                             <a:solidFill>
                               <a:srgbClr val="FFFFFF"/>
                             </a:solidFill>
@@ -15716,14 +15732,14 @@
                       <a:effectLst/>
                       <a:extLst>
                         <a:ext uri="{909E8E84-426E-40dd-AFC4-6F175D3DCCD1}">
-                          <a14:hiddenFill xmlns="" xmlns:a14="http://schemas.microsoft.com/office/drawing/2010/main">
+                          <a14:hiddenFill xmlns:a14="http://schemas.microsoft.com/office/drawing/2010/main" xmlns="">
                             <a:solidFill>
                               <a:schemeClr val="accent1"/>
                             </a:solidFill>
                           </a14:hiddenFill>
                         </a:ext>
                         <a:ext uri="{91240B29-F687-4f45-9708-019B960494DF}">
-                          <a14:hiddenLine xmlns="" xmlns:a14="http://schemas.microsoft.com/office/drawing/2010/main" w="9525">
+                          <a14:hiddenLine xmlns:a14="http://schemas.microsoft.com/office/drawing/2010/main" xmlns="" w="9525">
                             <a:solidFill>
                               <a:schemeClr val="tx1"/>
                             </a:solidFill>
@@ -15733,7 +15749,7 @@
                           </a14:hiddenLine>
                         </a:ext>
                         <a:ext uri="{AF507438-7753-43e0-B8FC-AC1667EBCBE1}">
-                          <a14:hiddenEffects xmlns="" xmlns:a14="http://schemas.microsoft.com/office/drawing/2010/main">
+                          <a14:hiddenEffects xmlns:a14="http://schemas.microsoft.com/office/drawing/2010/main" xmlns="">
                             <a:effectLst>
                               <a:outerShdw blurRad="63500" dist="38097" dir="2700000" algn="ctr" rotWithShape="0">
                                 <a:schemeClr val="bg2">
@@ -19952,14 +19968,14 @@
           </a:ln>
           <a:extLst>
             <a:ext uri="{909E8E84-426E-40dd-AFC4-6F175D3DCCD1}">
-              <a14:hiddenFill xmlns="" xmlns:a14="http://schemas.microsoft.com/office/drawing/2010/main">
+              <a14:hiddenFill xmlns:a14="http://schemas.microsoft.com/office/drawing/2010/main" xmlns="">
                 <a:solidFill>
                   <a:srgbClr val="FFFFFF"/>
                 </a:solidFill>
               </a14:hiddenFill>
             </a:ext>
             <a:ext uri="{91240B29-F687-4f45-9708-019B960494DF}">
-              <a14:hiddenLine xmlns="" xmlns:a14="http://schemas.microsoft.com/office/drawing/2010/main" w="9525">
+              <a14:hiddenLine xmlns:a14="http://schemas.microsoft.com/office/drawing/2010/main" xmlns="" w="9525">
                 <a:solidFill>
                   <a:srgbClr val="000000"/>
                 </a:solidFill>
@@ -21592,7 +21608,7 @@
           </a:ln>
           <a:extLst>
             <a:ext uri="{909E8E84-426E-40dd-AFC4-6F175D3DCCD1}">
-              <a14:hiddenFill xmlns="" xmlns:a14="http://schemas.microsoft.com/office/drawing/2010/main">
+              <a14:hiddenFill xmlns:a14="http://schemas.microsoft.com/office/drawing/2010/main" xmlns="">
                 <a:noFill/>
               </a14:hiddenFill>
             </a:ext>
@@ -21628,7 +21644,7 @@
           </a:ln>
           <a:extLst>
             <a:ext uri="{909E8E84-426E-40dd-AFC4-6F175D3DCCD1}">
-              <a14:hiddenFill xmlns="" xmlns:a14="http://schemas.microsoft.com/office/drawing/2010/main">
+              <a14:hiddenFill xmlns:a14="http://schemas.microsoft.com/office/drawing/2010/main" xmlns="">
                 <a:noFill/>
               </a14:hiddenFill>
             </a:ext>
@@ -21664,7 +21680,7 @@
           </a:ln>
           <a:extLst>
             <a:ext uri="{909E8E84-426E-40dd-AFC4-6F175D3DCCD1}">
-              <a14:hiddenFill xmlns="" xmlns:a14="http://schemas.microsoft.com/office/drawing/2010/main">
+              <a14:hiddenFill xmlns:a14="http://schemas.microsoft.com/office/drawing/2010/main" xmlns="">
                 <a:noFill/>
               </a14:hiddenFill>
             </a:ext>
@@ -21859,7 +21875,7 @@
           </a:ln>
           <a:extLst>
             <a:ext uri="{909E8E84-426E-40dd-AFC4-6F175D3DCCD1}">
-              <a14:hiddenFill xmlns="" xmlns:a14="http://schemas.microsoft.com/office/drawing/2010/main">
+              <a14:hiddenFill xmlns:a14="http://schemas.microsoft.com/office/drawing/2010/main" xmlns="">
                 <a:noFill/>
               </a14:hiddenFill>
             </a:ext>
@@ -21895,7 +21911,7 @@
           </a:ln>
           <a:extLst>
             <a:ext uri="{909E8E84-426E-40dd-AFC4-6F175D3DCCD1}">
-              <a14:hiddenFill xmlns="" xmlns:a14="http://schemas.microsoft.com/office/drawing/2010/main">
+              <a14:hiddenFill xmlns:a14="http://schemas.microsoft.com/office/drawing/2010/main" xmlns="">
                 <a:noFill/>
               </a14:hiddenFill>
             </a:ext>
@@ -21931,7 +21947,7 @@
           </a:ln>
           <a:extLst>
             <a:ext uri="{909E8E84-426E-40dd-AFC4-6F175D3DCCD1}">
-              <a14:hiddenFill xmlns="" xmlns:a14="http://schemas.microsoft.com/office/drawing/2010/main">
+              <a14:hiddenFill xmlns:a14="http://schemas.microsoft.com/office/drawing/2010/main" xmlns="">
                 <a:noFill/>
               </a14:hiddenFill>
             </a:ext>
@@ -21960,14 +21976,14 @@
           </a:ln>
           <a:extLst>
             <a:ext uri="{909E8E84-426E-40dd-AFC4-6F175D3DCCD1}">
-              <a14:hiddenFill xmlns="" xmlns:a14="http://schemas.microsoft.com/office/drawing/2010/main">
+              <a14:hiddenFill xmlns:a14="http://schemas.microsoft.com/office/drawing/2010/main" xmlns="">
                 <a:solidFill>
                   <a:srgbClr val="FFFFFF"/>
                 </a:solidFill>
               </a14:hiddenFill>
             </a:ext>
             <a:ext uri="{91240B29-F687-4f45-9708-019B960494DF}">
-              <a14:hiddenLine xmlns="" xmlns:a14="http://schemas.microsoft.com/office/drawing/2010/main" w="9525">
+              <a14:hiddenLine xmlns:a14="http://schemas.microsoft.com/office/drawing/2010/main" xmlns="" w="9525">
                 <a:solidFill>
                   <a:srgbClr val="000000"/>
                 </a:solidFill>
@@ -22199,14 +22215,14 @@
                       <a:effectLst/>
                       <a:extLst>
                         <a:ext uri="{909E8E84-426E-40dd-AFC4-6F175D3DCCD1}">
-                          <a14:hiddenFill xmlns:a14="http://schemas.microsoft.com/office/drawing/2010/main" xmlns="">
+                          <a14:hiddenFill xmlns="" xmlns:a14="http://schemas.microsoft.com/office/drawing/2010/main">
                             <a:solidFill>
                               <a:schemeClr val="accent1"/>
                             </a:solidFill>
                           </a14:hiddenFill>
                         </a:ext>
                         <a:ext uri="{91240B29-F687-4f45-9708-019B960494DF}">
-                          <a14:hiddenLine xmlns:a14="http://schemas.microsoft.com/office/drawing/2010/main" xmlns="" w="9525">
+                          <a14:hiddenLine xmlns="" xmlns:a14="http://schemas.microsoft.com/office/drawing/2010/main" w="9525">
                             <a:solidFill>
                               <a:schemeClr val="tx1"/>
                             </a:solidFill>
@@ -22216,7 +22232,7 @@
                           </a14:hiddenLine>
                         </a:ext>
                         <a:ext uri="{AF507438-7753-43e0-B8FC-AC1667EBCBE1}">
-                          <a14:hiddenEffects xmlns:a14="http://schemas.microsoft.com/office/drawing/2010/main" xmlns="">
+                          <a14:hiddenEffects xmlns="" xmlns:a14="http://schemas.microsoft.com/office/drawing/2010/main">
                             <a:effectLst>
                               <a:outerShdw blurRad="63500" dist="38097" dir="2700000" algn="ctr" rotWithShape="0">
                                 <a:schemeClr val="bg2">
@@ -22300,14 +22316,14 @@
                       <a:effectLst/>
                       <a:extLst>
                         <a:ext uri="{909E8E84-426E-40dd-AFC4-6F175D3DCCD1}">
-                          <a14:hiddenFill xmlns:a14="http://schemas.microsoft.com/office/drawing/2010/main" xmlns="">
+                          <a14:hiddenFill xmlns="" xmlns:a14="http://schemas.microsoft.com/office/drawing/2010/main">
                             <a:solidFill>
                               <a:schemeClr val="accent1"/>
                             </a:solidFill>
                           </a14:hiddenFill>
                         </a:ext>
                         <a:ext uri="{91240B29-F687-4f45-9708-019B960494DF}">
-                          <a14:hiddenLine xmlns:a14="http://schemas.microsoft.com/office/drawing/2010/main" xmlns="" w="9525">
+                          <a14:hiddenLine xmlns="" xmlns:a14="http://schemas.microsoft.com/office/drawing/2010/main" w="9525">
                             <a:solidFill>
                               <a:schemeClr val="tx1"/>
                             </a:solidFill>
@@ -22317,7 +22333,7 @@
                           </a14:hiddenLine>
                         </a:ext>
                         <a:ext uri="{AF507438-7753-43e0-B8FC-AC1667EBCBE1}">
-                          <a14:hiddenEffects xmlns:a14="http://schemas.microsoft.com/office/drawing/2010/main" xmlns="">
+                          <a14:hiddenEffects xmlns="" xmlns:a14="http://schemas.microsoft.com/office/drawing/2010/main">
                             <a:effectLst>
                               <a:outerShdw blurRad="63500" dist="38097" dir="2700000" algn="ctr" rotWithShape="0">
                                 <a:schemeClr val="bg2">
@@ -22401,14 +22417,14 @@
                       <a:effectLst/>
                       <a:extLst>
                         <a:ext uri="{909E8E84-426E-40dd-AFC4-6F175D3DCCD1}">
-                          <a14:hiddenFill xmlns:a14="http://schemas.microsoft.com/office/drawing/2010/main" xmlns="">
+                          <a14:hiddenFill xmlns="" xmlns:a14="http://schemas.microsoft.com/office/drawing/2010/main">
                             <a:solidFill>
                               <a:schemeClr val="accent1"/>
                             </a:solidFill>
                           </a14:hiddenFill>
                         </a:ext>
                         <a:ext uri="{91240B29-F687-4f45-9708-019B960494DF}">
-                          <a14:hiddenLine xmlns:a14="http://schemas.microsoft.com/office/drawing/2010/main" xmlns="" w="9525">
+                          <a14:hiddenLine xmlns="" xmlns:a14="http://schemas.microsoft.com/office/drawing/2010/main" w="9525">
                             <a:solidFill>
                               <a:schemeClr val="tx1"/>
                             </a:solidFill>
@@ -22418,7 +22434,7 @@
                           </a14:hiddenLine>
                         </a:ext>
                         <a:ext uri="{AF507438-7753-43e0-B8FC-AC1667EBCBE1}">
-                          <a14:hiddenEffects xmlns:a14="http://schemas.microsoft.com/office/drawing/2010/main" xmlns="">
+                          <a14:hiddenEffects xmlns="" xmlns:a14="http://schemas.microsoft.com/office/drawing/2010/main">
                             <a:effectLst>
                               <a:outerShdw blurRad="63500" dist="38097" dir="2700000" algn="ctr" rotWithShape="0">
                                 <a:schemeClr val="bg2">
@@ -22502,14 +22518,14 @@
                       <a:effectLst/>
                       <a:extLst>
                         <a:ext uri="{909E8E84-426E-40dd-AFC4-6F175D3DCCD1}">
-                          <a14:hiddenFill xmlns:a14="http://schemas.microsoft.com/office/drawing/2010/main" xmlns="">
+                          <a14:hiddenFill xmlns="" xmlns:a14="http://schemas.microsoft.com/office/drawing/2010/main">
                             <a:solidFill>
                               <a:schemeClr val="accent1"/>
                             </a:solidFill>
                           </a14:hiddenFill>
                         </a:ext>
                         <a:ext uri="{91240B29-F687-4f45-9708-019B960494DF}">
-                          <a14:hiddenLine xmlns:a14="http://schemas.microsoft.com/office/drawing/2010/main" xmlns="" w="9525">
+                          <a14:hiddenLine xmlns="" xmlns:a14="http://schemas.microsoft.com/office/drawing/2010/main" w="9525">
                             <a:solidFill>
                               <a:schemeClr val="tx1"/>
                             </a:solidFill>
@@ -22519,7 +22535,7 @@
                           </a14:hiddenLine>
                         </a:ext>
                         <a:ext uri="{AF507438-7753-43e0-B8FC-AC1667EBCBE1}">
-                          <a14:hiddenEffects xmlns:a14="http://schemas.microsoft.com/office/drawing/2010/main" xmlns="">
+                          <a14:hiddenEffects xmlns="" xmlns:a14="http://schemas.microsoft.com/office/drawing/2010/main">
                             <a:effectLst>
                               <a:outerShdw blurRad="63500" dist="38097" dir="2700000" algn="ctr" rotWithShape="0">
                                 <a:schemeClr val="bg2">
@@ -24003,8 +24019,8 @@
           </a:p>
         </p:txBody>
       </p:sp>
-      <mc:AlternateContent xmlns:mc="http://schemas.openxmlformats.org/markup-compatibility/2006" xmlns:a14="http://schemas.microsoft.com/office/drawing/2010/main">
-        <mc:Choice Requires="a14">
+      <mc:AlternateContent xmlns:mc="http://schemas.openxmlformats.org/markup-compatibility/2006">
+        <mc:Choice xmlns:a14="http://schemas.microsoft.com/office/drawing/2010/main" Requires="a14">
           <p:sp>
             <p:nvSpPr>
               <p:cNvPr id="3" name="Content Placeholder 2"/>
@@ -24032,19 +24048,7 @@
                       <a:rPr lang="en-US" sz="2800" i="1" dirty="0" smtClean="0">
                         <a:latin typeface="Cambria Math" panose="02040503050406030204" pitchFamily="18" charset="0"/>
                       </a:rPr>
-                      <m:t> </m:t>
-                    </m:r>
-                    <m:r>
-                      <a:rPr lang="en-US" sz="2800" i="1" dirty="0" smtClean="0">
-                        <a:latin typeface="Cambria Math" panose="02040503050406030204" pitchFamily="18" charset="0"/>
-                      </a:rPr>
-                      <m:t>𝑥</m:t>
-                    </m:r>
-                    <m:r>
-                      <a:rPr lang="en-US" sz="2800" i="1" dirty="0" smtClean="0">
-                        <a:latin typeface="Cambria Math" panose="02040503050406030204" pitchFamily="18" charset="0"/>
-                      </a:rPr>
-                      <m:t> </m:t>
+                      <m:t> × </m:t>
                     </m:r>
                     <m:r>
                       <a:rPr lang="en-US" sz="2800" i="1" dirty="0" smtClean="0">
@@ -24122,11 +24126,36 @@
                       </a:rPr>
                       <m:t> = </m:t>
                     </m:r>
+                    <m:sSup>
+                      <m:sSupPr>
+                        <m:ctrlPr>
+                          <a:rPr lang="en-US" sz="2800" i="1" dirty="0">
+                            <a:latin typeface="Cambria Math" panose="02040503050406030204" pitchFamily="18" charset="0"/>
+                          </a:rPr>
+                        </m:ctrlPr>
+                      </m:sSupPr>
+                      <m:e>
+                        <m:r>
+                          <a:rPr lang="fr-CH" sz="2800" i="1" dirty="0">
+                            <a:latin typeface="Cambria Math" panose="02040503050406030204" pitchFamily="18" charset="0"/>
+                          </a:rPr>
+                          <m:t>𝐿</m:t>
+                        </m:r>
+                      </m:e>
+                      <m:sup>
+                        <m:r>
+                          <a:rPr lang="fr-CH" sz="2800" i="1" dirty="0">
+                            <a:latin typeface="Cambria Math" panose="02040503050406030204" pitchFamily="18" charset="0"/>
+                          </a:rPr>
+                          <m:t>𝑡</m:t>
+                        </m:r>
+                      </m:sup>
+                    </m:sSup>
                     <m:r>
                       <a:rPr lang="en-US" sz="2800" i="1" dirty="0" smtClean="0">
                         <a:latin typeface="Cambria Math" panose="02040503050406030204" pitchFamily="18" charset="0"/>
                       </a:rPr>
-                      <m:t>𝐿𝑎</m:t>
+                      <m:t>𝑎</m:t>
                     </m:r>
                   </m:oMath>
                 </a14:m>
@@ -24148,31 +24177,12 @@
                       </a:rPr>
                       <m:t> = </m:t>
                     </m:r>
-                    <m:sSup>
-                      <m:sSupPr>
-                        <m:ctrlPr>
-                          <a:rPr lang="en-US" sz="2800" i="1" dirty="0" smtClean="0">
-                            <a:latin typeface="Cambria Math" panose="02040503050406030204" pitchFamily="18" charset="0"/>
-                          </a:rPr>
-                        </m:ctrlPr>
-                      </m:sSupPr>
-                      <m:e>
-                        <m:r>
-                          <a:rPr lang="fr-CH" sz="2800" b="0" i="1" dirty="0" smtClean="0">
-                            <a:latin typeface="Cambria Math" panose="02040503050406030204" pitchFamily="18" charset="0"/>
-                          </a:rPr>
-                          <m:t>𝐿</m:t>
-                        </m:r>
-                      </m:e>
-                      <m:sup>
-                        <m:r>
-                          <a:rPr lang="fr-CH" sz="2800" b="0" i="1" dirty="0" smtClean="0">
-                            <a:latin typeface="Cambria Math" panose="02040503050406030204" pitchFamily="18" charset="0"/>
-                          </a:rPr>
-                          <m:t>𝑡</m:t>
-                        </m:r>
-                      </m:sup>
-                    </m:sSup>
+                    <m:r>
+                      <a:rPr lang="en-US" sz="2800" i="1" dirty="0">
+                        <a:latin typeface="Cambria Math" panose="02040503050406030204" pitchFamily="18" charset="0"/>
+                      </a:rPr>
+                      <m:t>𝐿</m:t>
+                    </m:r>
                     <m:r>
                       <a:rPr lang="en-US" sz="2800" i="1" dirty="0" smtClean="0">
                         <a:latin typeface="Cambria Math" panose="02040503050406030204" pitchFamily="18" charset="0"/>
@@ -24195,7 +24205,7 @@
                 <a14:m>
                   <m:oMath xmlns:m="http://schemas.openxmlformats.org/officeDocument/2006/math">
                     <m:r>
-                      <a:rPr lang="en-US" sz="2800" i="1" dirty="0" smtClean="0">
+                      <a:rPr lang="fr-CH" sz="2800" b="0" i="1" smtClean="0">
                         <a:latin typeface="Cambria Math" panose="02040503050406030204" pitchFamily="18" charset="0"/>
                       </a:rPr>
                       <m:t>𝑎</m:t>
@@ -24222,17 +24232,21 @@
                     </m:r>
                   </m:oMath>
                 </a14:m>
-                <a:endParaRPr lang="en-US" sz="2800" baseline="30000" dirty="0"/>
-              </a:p>
-              <a:p>
+                <a:br>
+                  <a:rPr lang="fr-CH" sz="2800" i="1" baseline="30000" dirty="0">
+                    <a:latin typeface="Cambria Math" panose="02040503050406030204" pitchFamily="18" charset="0"/>
+                  </a:rPr>
+                </a:br>
                 <a:r>
-                  <a:rPr lang="en-US" sz="2800" baseline="30000" dirty="0"/>
+                  <a:rPr lang="fr-CH" sz="2800" i="1" baseline="30000" dirty="0">
+                    <a:latin typeface="Cambria Math" panose="02040503050406030204" pitchFamily="18" charset="0"/>
+                  </a:rPr>
                   <a:t>	</a:t>
                 </a:r>
                 <a14:m>
                   <m:oMath xmlns:m="http://schemas.openxmlformats.org/officeDocument/2006/math">
                     <m:r>
-                      <a:rPr lang="en-US" sz="2800" i="1" dirty="0" smtClean="0">
+                      <a:rPr lang="fr-CH" sz="2800" b="0" i="1" smtClean="0">
                         <a:latin typeface="Cambria Math" panose="02040503050406030204" pitchFamily="18" charset="0"/>
                       </a:rPr>
                       <m:t>h</m:t>
@@ -24270,7 +24284,7 @@
             </p:txBody>
           </p:sp>
         </mc:Choice>
-        <mc:Fallback xmlns="">
+        <mc:Fallback>
           <p:sp>
             <p:nvSpPr>
               <p:cNvPr id="3" name="Content Placeholder 2"/>
@@ -24285,7 +24299,7 @@
               <a:blipFill>
                 <a:blip r:embed="rId3"/>
                 <a:stretch>
-                  <a:fillRect l="-1372" t="-1259" b="-3526"/>
+                  <a:fillRect l="-1372" t="-1259" b="-2015"/>
                 </a:stretch>
               </a:blipFill>
             </p:spPr>
@@ -24351,14 +24365,14 @@
           </a:ln>
           <a:extLst>
             <a:ext uri="{909E8E84-426E-40dd-AFC4-6F175D3DCCD1}">
-              <a14:hiddenFill xmlns="" xmlns:a14="http://schemas.microsoft.com/office/drawing/2010/main">
+              <a14:hiddenFill xmlns:a14="http://schemas.microsoft.com/office/drawing/2010/main" xmlns="">
                 <a:solidFill>
                   <a:srgbClr val="FFFFFF"/>
                 </a:solidFill>
               </a14:hiddenFill>
             </a:ext>
             <a:ext uri="{91240B29-F687-4f45-9708-019B960494DF}">
-              <a14:hiddenLine xmlns="" xmlns:a14="http://schemas.microsoft.com/office/drawing/2010/main" w="9525">
+              <a14:hiddenLine xmlns:a14="http://schemas.microsoft.com/office/drawing/2010/main" xmlns="" w="9525">
                 <a:solidFill>
                   <a:srgbClr val="000000"/>
                 </a:solidFill>
@@ -24406,14 +24420,14 @@
           </a:ln>
           <a:extLst>
             <a:ext uri="{909E8E84-426E-40dd-AFC4-6F175D3DCCD1}">
-              <a14:hiddenFill xmlns="" xmlns:a14="http://schemas.microsoft.com/office/drawing/2010/main">
+              <a14:hiddenFill xmlns:a14="http://schemas.microsoft.com/office/drawing/2010/main" xmlns="">
                 <a:solidFill>
                   <a:srgbClr val="FFFFFF"/>
                 </a:solidFill>
               </a14:hiddenFill>
             </a:ext>
             <a:ext uri="{91240B29-F687-4f45-9708-019B960494DF}">
-              <a14:hiddenLine xmlns="" xmlns:a14="http://schemas.microsoft.com/office/drawing/2010/main" w="9525">
+              <a14:hiddenLine xmlns:a14="http://schemas.microsoft.com/office/drawing/2010/main" xmlns="" w="9525">
                 <a:solidFill>
                   <a:srgbClr val="000000"/>
                 </a:solidFill>
@@ -24664,7 +24678,7 @@
           </a:ln>
           <a:extLst>
             <a:ext uri="{909E8E84-426E-40dd-AFC4-6F175D3DCCD1}">
-              <a14:hiddenFill xmlns="" xmlns:a14="http://schemas.microsoft.com/office/drawing/2010/main">
+              <a14:hiddenFill xmlns:a14="http://schemas.microsoft.com/office/drawing/2010/main" xmlns="">
                 <a:noFill/>
               </a14:hiddenFill>
             </a:ext>
@@ -24700,7 +24714,7 @@
           </a:ln>
           <a:extLst>
             <a:ext uri="{909E8E84-426E-40dd-AFC4-6F175D3DCCD1}">
-              <a14:hiddenFill xmlns="" xmlns:a14="http://schemas.microsoft.com/office/drawing/2010/main">
+              <a14:hiddenFill xmlns:a14="http://schemas.microsoft.com/office/drawing/2010/main" xmlns="">
                 <a:noFill/>
               </a14:hiddenFill>
             </a:ext>
@@ -24737,7 +24751,7 @@
           </a:ln>
           <a:extLst>
             <a:ext uri="{909E8E84-426E-40dd-AFC4-6F175D3DCCD1}">
-              <a14:hiddenFill xmlns="" xmlns:a14="http://schemas.microsoft.com/office/drawing/2010/main">
+              <a14:hiddenFill xmlns:a14="http://schemas.microsoft.com/office/drawing/2010/main" xmlns="">
                 <a:noFill/>
               </a14:hiddenFill>
             </a:ext>
@@ -24771,7 +24785,7 @@
           </a:ln>
           <a:extLst>
             <a:ext uri="{909E8E84-426E-40dd-AFC4-6F175D3DCCD1}">
-              <a14:hiddenFill xmlns="" xmlns:a14="http://schemas.microsoft.com/office/drawing/2010/main">
+              <a14:hiddenFill xmlns:a14="http://schemas.microsoft.com/office/drawing/2010/main" xmlns="">
                 <a:noFill/>
               </a14:hiddenFill>
             </a:ext>
@@ -24805,7 +24819,7 @@
           </a:ln>
           <a:extLst>
             <a:ext uri="{909E8E84-426E-40dd-AFC4-6F175D3DCCD1}">
-              <a14:hiddenFill xmlns="" xmlns:a14="http://schemas.microsoft.com/office/drawing/2010/main">
+              <a14:hiddenFill xmlns:a14="http://schemas.microsoft.com/office/drawing/2010/main" xmlns="">
                 <a:noFill/>
               </a14:hiddenFill>
             </a:ext>
@@ -24836,14 +24850,14 @@
           </a:ln>
           <a:extLst>
             <a:ext uri="{909E8E84-426E-40dd-AFC4-6F175D3DCCD1}">
-              <a14:hiddenFill xmlns="" xmlns:a14="http://schemas.microsoft.com/office/drawing/2010/main">
+              <a14:hiddenFill xmlns:a14="http://schemas.microsoft.com/office/drawing/2010/main" xmlns="">
                 <a:solidFill>
                   <a:srgbClr val="FFFFFF"/>
                 </a:solidFill>
               </a14:hiddenFill>
             </a:ext>
             <a:ext uri="{91240B29-F687-4f45-9708-019B960494DF}">
-              <a14:hiddenLine xmlns="" xmlns:a14="http://schemas.microsoft.com/office/drawing/2010/main" w="9525">
+              <a14:hiddenLine xmlns:a14="http://schemas.microsoft.com/office/drawing/2010/main" xmlns="" w="9525">
                 <a:solidFill>
                   <a:srgbClr val="000000"/>
                 </a:solidFill>
@@ -25013,14 +25027,14 @@
           </a:ln>
           <a:extLst>
             <a:ext uri="{909E8E84-426E-40dd-AFC4-6F175D3DCCD1}">
-              <a14:hiddenFill xmlns="" xmlns:a14="http://schemas.microsoft.com/office/drawing/2010/main">
+              <a14:hiddenFill xmlns:a14="http://schemas.microsoft.com/office/drawing/2010/main" xmlns="">
                 <a:solidFill>
                   <a:srgbClr val="FFFFFF"/>
                 </a:solidFill>
               </a14:hiddenFill>
             </a:ext>
             <a:ext uri="{91240B29-F687-4f45-9708-019B960494DF}">
-              <a14:hiddenLine xmlns="" xmlns:a14="http://schemas.microsoft.com/office/drawing/2010/main" w="9525">
+              <a14:hiddenLine xmlns:a14="http://schemas.microsoft.com/office/drawing/2010/main" xmlns="" w="9525">
                 <a:solidFill>
                   <a:srgbClr val="000000"/>
                 </a:solidFill>
@@ -25225,14 +25239,14 @@
           </a:ln>
           <a:extLst>
             <a:ext uri="{909E8E84-426E-40dd-AFC4-6F175D3DCCD1}">
-              <a14:hiddenFill xmlns="" xmlns:a14="http://schemas.microsoft.com/office/drawing/2010/main">
+              <a14:hiddenFill xmlns:a14="http://schemas.microsoft.com/office/drawing/2010/main" xmlns="">
                 <a:solidFill>
                   <a:srgbClr val="FFFFFF"/>
                 </a:solidFill>
               </a14:hiddenFill>
             </a:ext>
             <a:ext uri="{91240B29-F687-4f45-9708-019B960494DF}">
-              <a14:hiddenLine xmlns="" xmlns:a14="http://schemas.microsoft.com/office/drawing/2010/main" w="9525">
+              <a14:hiddenLine xmlns:a14="http://schemas.microsoft.com/office/drawing/2010/main" xmlns="" w="9525">
                 <a:solidFill>
                   <a:srgbClr val="000000"/>
                 </a:solidFill>
@@ -25404,14 +25418,14 @@
           </a:ln>
           <a:extLst>
             <a:ext uri="{909E8E84-426E-40dd-AFC4-6F175D3DCCD1}">
-              <a14:hiddenFill xmlns="" xmlns:a14="http://schemas.microsoft.com/office/drawing/2010/main">
+              <a14:hiddenFill xmlns:a14="http://schemas.microsoft.com/office/drawing/2010/main" xmlns="">
                 <a:solidFill>
                   <a:srgbClr val="FFFFFF"/>
                 </a:solidFill>
               </a14:hiddenFill>
             </a:ext>
             <a:ext uri="{91240B29-F687-4f45-9708-019B960494DF}">
-              <a14:hiddenLine xmlns="" xmlns:a14="http://schemas.microsoft.com/office/drawing/2010/main" w="9525">
+              <a14:hiddenLine xmlns:a14="http://schemas.microsoft.com/office/drawing/2010/main" xmlns="" w="9525">
                 <a:solidFill>
                   <a:srgbClr val="000000"/>
                 </a:solidFill>
@@ -25583,14 +25597,14 @@
           </a:ln>
           <a:extLst>
             <a:ext uri="{909E8E84-426E-40dd-AFC4-6F175D3DCCD1}">
-              <a14:hiddenFill xmlns="" xmlns:a14="http://schemas.microsoft.com/office/drawing/2010/main">
+              <a14:hiddenFill xmlns:a14="http://schemas.microsoft.com/office/drawing/2010/main" xmlns="">
                 <a:solidFill>
                   <a:srgbClr val="FFFFFF"/>
                 </a:solidFill>
               </a14:hiddenFill>
             </a:ext>
             <a:ext uri="{91240B29-F687-4f45-9708-019B960494DF}">
-              <a14:hiddenLine xmlns="" xmlns:a14="http://schemas.microsoft.com/office/drawing/2010/main" w="9525">
+              <a14:hiddenLine xmlns:a14="http://schemas.microsoft.com/office/drawing/2010/main" xmlns="" w="9525">
                 <a:solidFill>
                   <a:srgbClr val="000000"/>
                 </a:solidFill>
@@ -25765,7 +25779,7 @@
           </a:ln>
           <a:extLst>
             <a:ext uri="{909E8E84-426E-40dd-AFC4-6F175D3DCCD1}">
-              <a14:hiddenFill xmlns="" xmlns:a14="http://schemas.microsoft.com/office/drawing/2010/main">
+              <a14:hiddenFill xmlns:a14="http://schemas.microsoft.com/office/drawing/2010/main" xmlns="">
                 <a:solidFill>
                   <a:srgbClr val="FFFFFF"/>
                 </a:solidFill>
@@ -26980,14 +26994,14 @@
           </a:ln>
           <a:extLst>
             <a:ext uri="{909E8E84-426E-40dd-AFC4-6F175D3DCCD1}">
-              <a14:hiddenFill xmlns="" xmlns:a14="http://schemas.microsoft.com/office/drawing/2010/main">
+              <a14:hiddenFill xmlns:a14="http://schemas.microsoft.com/office/drawing/2010/main" xmlns="">
                 <a:solidFill>
                   <a:srgbClr val="FFFFFF"/>
                 </a:solidFill>
               </a14:hiddenFill>
             </a:ext>
             <a:ext uri="{91240B29-F687-4f45-9708-019B960494DF}">
-              <a14:hiddenLine xmlns="" xmlns:a14="http://schemas.microsoft.com/office/drawing/2010/main" w="9525">
+              <a14:hiddenLine xmlns:a14="http://schemas.microsoft.com/office/drawing/2010/main" xmlns="" w="9525">
                 <a:solidFill>
                   <a:srgbClr val="000000"/>
                 </a:solidFill>
@@ -27236,7 +27250,7 @@
           </a:ln>
           <a:extLst>
             <a:ext uri="{909E8E84-426E-40dd-AFC4-6F175D3DCCD1}">
-              <a14:hiddenFill xmlns="" xmlns:a14="http://schemas.microsoft.com/office/drawing/2010/main">
+              <a14:hiddenFill xmlns:a14="http://schemas.microsoft.com/office/drawing/2010/main" xmlns="">
                 <a:solidFill>
                   <a:srgbClr val="FFFFFF"/>
                 </a:solidFill>
@@ -27874,7 +27888,7 @@
           </a:ln>
           <a:extLst>
             <a:ext uri="{909E8E84-426E-40dd-AFC4-6F175D3DCCD1}">
-              <a14:hiddenFill xmlns="" xmlns:a14="http://schemas.microsoft.com/office/drawing/2010/main">
+              <a14:hiddenFill xmlns:a14="http://schemas.microsoft.com/office/drawing/2010/main" xmlns="">
                 <a:noFill/>
               </a14:hiddenFill>
             </a:ext>
@@ -27908,7 +27922,7 @@
           </a:ln>
           <a:extLst>
             <a:ext uri="{909E8E84-426E-40dd-AFC4-6F175D3DCCD1}">
-              <a14:hiddenFill xmlns="" xmlns:a14="http://schemas.microsoft.com/office/drawing/2010/main">
+              <a14:hiddenFill xmlns:a14="http://schemas.microsoft.com/office/drawing/2010/main" xmlns="">
                 <a:noFill/>
               </a14:hiddenFill>
             </a:ext>
@@ -27942,7 +27956,7 @@
           </a:ln>
           <a:extLst>
             <a:ext uri="{909E8E84-426E-40dd-AFC4-6F175D3DCCD1}">
-              <a14:hiddenFill xmlns="" xmlns:a14="http://schemas.microsoft.com/office/drawing/2010/main">
+              <a14:hiddenFill xmlns:a14="http://schemas.microsoft.com/office/drawing/2010/main" xmlns="">
                 <a:noFill/>
               </a14:hiddenFill>
             </a:ext>
@@ -27976,7 +27990,7 @@
           </a:ln>
           <a:extLst>
             <a:ext uri="{909E8E84-426E-40dd-AFC4-6F175D3DCCD1}">
-              <a14:hiddenFill xmlns="" xmlns:a14="http://schemas.microsoft.com/office/drawing/2010/main">
+              <a14:hiddenFill xmlns:a14="http://schemas.microsoft.com/office/drawing/2010/main" xmlns="">
                 <a:noFill/>
               </a14:hiddenFill>
             </a:ext>
@@ -28010,7 +28024,7 @@
           </a:ln>
           <a:extLst>
             <a:ext uri="{909E8E84-426E-40dd-AFC4-6F175D3DCCD1}">
-              <a14:hiddenFill xmlns="" xmlns:a14="http://schemas.microsoft.com/office/drawing/2010/main">
+              <a14:hiddenFill xmlns:a14="http://schemas.microsoft.com/office/drawing/2010/main" xmlns="">
                 <a:noFill/>
               </a14:hiddenFill>
             </a:ext>
@@ -28044,7 +28058,7 @@
           </a:ln>
           <a:extLst>
             <a:ext uri="{909E8E84-426E-40dd-AFC4-6F175D3DCCD1}">
-              <a14:hiddenFill xmlns="" xmlns:a14="http://schemas.microsoft.com/office/drawing/2010/main">
+              <a14:hiddenFill xmlns:a14="http://schemas.microsoft.com/office/drawing/2010/main" xmlns="">
                 <a:noFill/>
               </a14:hiddenFill>
             </a:ext>
@@ -28078,7 +28092,7 @@
           </a:ln>
           <a:extLst>
             <a:ext uri="{909E8E84-426E-40dd-AFC4-6F175D3DCCD1}">
-              <a14:hiddenFill xmlns="" xmlns:a14="http://schemas.microsoft.com/office/drawing/2010/main">
+              <a14:hiddenFill xmlns:a14="http://schemas.microsoft.com/office/drawing/2010/main" xmlns="">
                 <a:noFill/>
               </a14:hiddenFill>
             </a:ext>
@@ -28112,7 +28126,7 @@
           </a:ln>
           <a:extLst>
             <a:ext uri="{909E8E84-426E-40dd-AFC4-6F175D3DCCD1}">
-              <a14:hiddenFill xmlns="" xmlns:a14="http://schemas.microsoft.com/office/drawing/2010/main">
+              <a14:hiddenFill xmlns:a14="http://schemas.microsoft.com/office/drawing/2010/main" xmlns="">
                 <a:noFill/>
               </a14:hiddenFill>
             </a:ext>
@@ -28146,7 +28160,7 @@
           </a:ln>
           <a:extLst>
             <a:ext uri="{909E8E84-426E-40dd-AFC4-6F175D3DCCD1}">
-              <a14:hiddenFill xmlns="" xmlns:a14="http://schemas.microsoft.com/office/drawing/2010/main">
+              <a14:hiddenFill xmlns:a14="http://schemas.microsoft.com/office/drawing/2010/main" xmlns="">
                 <a:noFill/>
               </a14:hiddenFill>
             </a:ext>
@@ -28180,7 +28194,7 @@
           </a:ln>
           <a:extLst>
             <a:ext uri="{909E8E84-426E-40dd-AFC4-6F175D3DCCD1}">
-              <a14:hiddenFill xmlns="" xmlns:a14="http://schemas.microsoft.com/office/drawing/2010/main">
+              <a14:hiddenFill xmlns:a14="http://schemas.microsoft.com/office/drawing/2010/main" xmlns="">
                 <a:noFill/>
               </a14:hiddenFill>
             </a:ext>
@@ -28214,7 +28228,7 @@
           </a:ln>
           <a:extLst>
             <a:ext uri="{909E8E84-426E-40dd-AFC4-6F175D3DCCD1}">
-              <a14:hiddenFill xmlns="" xmlns:a14="http://schemas.microsoft.com/office/drawing/2010/main">
+              <a14:hiddenFill xmlns:a14="http://schemas.microsoft.com/office/drawing/2010/main" xmlns="">
                 <a:noFill/>
               </a14:hiddenFill>
             </a:ext>
@@ -28248,7 +28262,7 @@
           </a:ln>
           <a:extLst>
             <a:ext uri="{909E8E84-426E-40dd-AFC4-6F175D3DCCD1}">
-              <a14:hiddenFill xmlns="" xmlns:a14="http://schemas.microsoft.com/office/drawing/2010/main">
+              <a14:hiddenFill xmlns:a14="http://schemas.microsoft.com/office/drawing/2010/main" xmlns="">
                 <a:noFill/>
               </a14:hiddenFill>
             </a:ext>
@@ -28282,7 +28296,7 @@
           </a:ln>
           <a:extLst>
             <a:ext uri="{909E8E84-426E-40dd-AFC4-6F175D3DCCD1}">
-              <a14:hiddenFill xmlns="" xmlns:a14="http://schemas.microsoft.com/office/drawing/2010/main">
+              <a14:hiddenFill xmlns:a14="http://schemas.microsoft.com/office/drawing/2010/main" xmlns="">
                 <a:noFill/>
               </a14:hiddenFill>
             </a:ext>
@@ -28316,7 +28330,7 @@
           </a:ln>
           <a:extLst>
             <a:ext uri="{909E8E84-426E-40dd-AFC4-6F175D3DCCD1}">
-              <a14:hiddenFill xmlns="" xmlns:a14="http://schemas.microsoft.com/office/drawing/2010/main">
+              <a14:hiddenFill xmlns:a14="http://schemas.microsoft.com/office/drawing/2010/main" xmlns="">
                 <a:noFill/>
               </a14:hiddenFill>
             </a:ext>
@@ -28350,7 +28364,7 @@
           </a:ln>
           <a:extLst>
             <a:ext uri="{909E8E84-426E-40dd-AFC4-6F175D3DCCD1}">
-              <a14:hiddenFill xmlns="" xmlns:a14="http://schemas.microsoft.com/office/drawing/2010/main">
+              <a14:hiddenFill xmlns:a14="http://schemas.microsoft.com/office/drawing/2010/main" xmlns="">
                 <a:noFill/>
               </a14:hiddenFill>
             </a:ext>
@@ -28384,7 +28398,7 @@
           </a:ln>
           <a:extLst>
             <a:ext uri="{909E8E84-426E-40dd-AFC4-6F175D3DCCD1}">
-              <a14:hiddenFill xmlns="" xmlns:a14="http://schemas.microsoft.com/office/drawing/2010/main">
+              <a14:hiddenFill xmlns:a14="http://schemas.microsoft.com/office/drawing/2010/main" xmlns="">
                 <a:noFill/>
               </a14:hiddenFill>
             </a:ext>
@@ -28418,7 +28432,7 @@
           </a:ln>
           <a:extLst>
             <a:ext uri="{909E8E84-426E-40dd-AFC4-6F175D3DCCD1}">
-              <a14:hiddenFill xmlns="" xmlns:a14="http://schemas.microsoft.com/office/drawing/2010/main">
+              <a14:hiddenFill xmlns:a14="http://schemas.microsoft.com/office/drawing/2010/main" xmlns="">
                 <a:noFill/>
               </a14:hiddenFill>
             </a:ext>
@@ -28447,14 +28461,14 @@
           </a:ln>
           <a:extLst>
             <a:ext uri="{909E8E84-426E-40dd-AFC4-6F175D3DCCD1}">
-              <a14:hiddenFill xmlns="" xmlns:a14="http://schemas.microsoft.com/office/drawing/2010/main">
+              <a14:hiddenFill xmlns:a14="http://schemas.microsoft.com/office/drawing/2010/main" xmlns="">
                 <a:solidFill>
                   <a:srgbClr val="FFFFFF"/>
                 </a:solidFill>
               </a14:hiddenFill>
             </a:ext>
             <a:ext uri="{91240B29-F687-4f45-9708-019B960494DF}">
-              <a14:hiddenLine xmlns="" xmlns:a14="http://schemas.microsoft.com/office/drawing/2010/main" w="9525">
+              <a14:hiddenLine xmlns:a14="http://schemas.microsoft.com/office/drawing/2010/main" xmlns="" w="9525">
                 <a:solidFill>
                   <a:srgbClr val="000000"/>
                 </a:solidFill>
@@ -29012,14 +29026,14 @@
           </a:ln>
           <a:extLst>
             <a:ext uri="{909E8E84-426E-40dd-AFC4-6F175D3DCCD1}">
-              <a14:hiddenFill xmlns="" xmlns:a14="http://schemas.microsoft.com/office/drawing/2010/main">
+              <a14:hiddenFill xmlns:a14="http://schemas.microsoft.com/office/drawing/2010/main" xmlns="">
                 <a:solidFill>
                   <a:srgbClr val="FFFFFF"/>
                 </a:solidFill>
               </a14:hiddenFill>
             </a:ext>
             <a:ext uri="{91240B29-F687-4f45-9708-019B960494DF}">
-              <a14:hiddenLine xmlns="" xmlns:a14="http://schemas.microsoft.com/office/drawing/2010/main" w="9525">
+              <a14:hiddenLine xmlns:a14="http://schemas.microsoft.com/office/drawing/2010/main" xmlns="" w="9525">
                 <a:solidFill>
                   <a:srgbClr val="000000"/>
                 </a:solidFill>
@@ -29478,14 +29492,14 @@
           </a:ln>
           <a:extLst>
             <a:ext uri="{909E8E84-426E-40dd-AFC4-6F175D3DCCD1}">
-              <a14:hiddenFill xmlns="" xmlns:a14="http://schemas.microsoft.com/office/drawing/2010/main">
+              <a14:hiddenFill xmlns:a14="http://schemas.microsoft.com/office/drawing/2010/main" xmlns="">
                 <a:solidFill>
                   <a:srgbClr val="FFFFFF"/>
                 </a:solidFill>
               </a14:hiddenFill>
             </a:ext>
             <a:ext uri="{91240B29-F687-4f45-9708-019B960494DF}">
-              <a14:hiddenLine xmlns="" xmlns:a14="http://schemas.microsoft.com/office/drawing/2010/main" w="9525">
+              <a14:hiddenLine xmlns:a14="http://schemas.microsoft.com/office/drawing/2010/main" xmlns="" w="9525">
                 <a:solidFill>
                   <a:srgbClr val="000000"/>
                 </a:solidFill>
@@ -30123,130 +30137,722 @@
           </a:p>
         </p:txBody>
       </p:sp>
-      <p:sp>
-        <p:nvSpPr>
-          <p:cNvPr id="3" name="Content Placeholder 2"/>
-          <p:cNvSpPr>
-            <a:spLocks noGrp="1"/>
-          </p:cNvSpPr>
-          <p:nvPr>
-            <p:ph idx="1"/>
-          </p:nvPr>
-        </p:nvSpPr>
-        <p:spPr/>
-        <p:txBody>
-          <a:bodyPr/>
-          <a:lstStyle/>
-          <a:p>
-            <a:r>
-              <a:rPr lang="en-US" dirty="0"/>
-              <a:t>Use Gap Encoding (as in inverted files)</a:t>
-            </a:r>
-          </a:p>
-          <a:p>
-            <a:pPr lvl="1">
-              <a:buFont typeface="Arial" charset="0"/>
-              <a:buChar char="–"/>
-            </a:pPr>
-            <a:r>
-              <a:rPr lang="en-US" sz="2400" dirty="0"/>
-              <a:t>S(x) = (s</a:t>
-            </a:r>
-            <a:r>
-              <a:rPr lang="en-US" sz="2400" baseline="-25000" dirty="0"/>
-              <a:t>1</a:t>
-            </a:r>
-            <a:r>
-              <a:rPr lang="en-US" sz="2400" dirty="0"/>
-              <a:t>,…,</a:t>
-            </a:r>
-            <a:r>
-              <a:rPr lang="en-US" sz="2400" dirty="0" err="1"/>
-              <a:t>s</a:t>
-            </a:r>
-            <a:r>
-              <a:rPr lang="en-US" sz="2400" baseline="-25000" dirty="0" err="1"/>
-              <a:t>k</a:t>
-            </a:r>
-            <a:r>
-              <a:rPr lang="en-US" sz="2400" dirty="0"/>
-              <a:t>) will be represented as </a:t>
-            </a:r>
-            <a:br>
-              <a:rPr lang="en-US" sz="2400" dirty="0"/>
-            </a:br>
-            <a:r>
-              <a:rPr lang="en-US" sz="2400" dirty="0"/>
-              <a:t>	(s</a:t>
-            </a:r>
-            <a:r>
-              <a:rPr lang="en-US" sz="2400" baseline="-25000" dirty="0"/>
-              <a:t>1</a:t>
-            </a:r>
-            <a:r>
-              <a:rPr lang="en-US" sz="2400" dirty="0"/>
-              <a:t>-x, s</a:t>
-            </a:r>
-            <a:r>
-              <a:rPr lang="en-US" sz="2400" baseline="-25000" dirty="0"/>
-              <a:t>2</a:t>
-            </a:r>
-            <a:r>
-              <a:rPr lang="en-US" sz="2400" dirty="0"/>
-              <a:t>-s</a:t>
-            </a:r>
-            <a:r>
-              <a:rPr lang="en-US" sz="2400" baseline="-25000" dirty="0"/>
-              <a:t>1</a:t>
-            </a:r>
-            <a:r>
-              <a:rPr lang="en-US" sz="2400" dirty="0"/>
-              <a:t>-1,…,s</a:t>
-            </a:r>
-            <a:r>
-              <a:rPr lang="en-US" sz="2400" baseline="-25000" dirty="0"/>
-              <a:t>k</a:t>
-            </a:r>
-            <a:r>
-              <a:rPr lang="en-US" sz="2400" dirty="0"/>
-              <a:t>-s</a:t>
-            </a:r>
-            <a:r>
-              <a:rPr lang="en-US" sz="2400" baseline="-25000" dirty="0"/>
-              <a:t>k-1</a:t>
-            </a:r>
-            <a:r>
-              <a:rPr lang="en-US" sz="2400" dirty="0"/>
-              <a:t>-1)</a:t>
-            </a:r>
-          </a:p>
-          <a:p>
-            <a:pPr lvl="1">
-              <a:buFont typeface="Arial" charset="0"/>
-              <a:buChar char="–"/>
-            </a:pPr>
-            <a:r>
-              <a:rPr lang="en-US" sz="2400" dirty="0"/>
-              <a:t>Use of varying length encoding </a:t>
-            </a:r>
-          </a:p>
-          <a:p>
-            <a:endParaRPr lang="en-US" dirty="0"/>
-          </a:p>
-          <a:p>
-            <a:endParaRPr lang="en-US" dirty="0"/>
-          </a:p>
-          <a:p>
-            <a:endParaRPr lang="en-US" dirty="0"/>
-          </a:p>
-          <a:p>
-            <a:endParaRPr lang="en-US" dirty="0"/>
-          </a:p>
-          <a:p>
-            <a:endParaRPr lang="en-US" dirty="0"/>
-          </a:p>
-        </p:txBody>
-      </p:sp>
+      <mc:AlternateContent xmlns:mc="http://schemas.openxmlformats.org/markup-compatibility/2006">
+        <mc:Choice xmlns:a14="http://schemas.microsoft.com/office/drawing/2010/main" Requires="a14">
+          <p:sp>
+            <p:nvSpPr>
+              <p:cNvPr id="3" name="Content Placeholder 2"/>
+              <p:cNvSpPr>
+                <a:spLocks noGrp="1"/>
+              </p:cNvSpPr>
+              <p:nvPr>
+                <p:ph idx="1"/>
+              </p:nvPr>
+            </p:nvSpPr>
+            <p:spPr/>
+            <p:txBody>
+              <a:bodyPr/>
+              <a:lstStyle/>
+              <a:p>
+                <a:r>
+                  <a:rPr lang="en-US" dirty="0"/>
+                  <a:t>Use Gap Encoding (as in inverted files)</a:t>
+                </a:r>
+              </a:p>
+              <a:p>
+                <a:pPr lvl="1">
+                  <a:buFont typeface="Arial" charset="0"/>
+                  <a:buChar char="–"/>
+                </a:pPr>
+                <a:r>
+                  <a:rPr lang="en-US" sz="2400" dirty="0"/>
+                  <a:t>For node </a:t>
+                </a:r>
+                <a14:m>
+                  <m:oMath xmlns:m="http://schemas.openxmlformats.org/officeDocument/2006/math">
+                    <m:r>
+                      <a:rPr lang="en-US" sz="2400" i="1" dirty="0" smtClean="0">
+                        <a:latin typeface="Cambria Math" panose="02040503050406030204" pitchFamily="18" charset="0"/>
+                      </a:rPr>
+                      <m:t>𝑥</m:t>
+                    </m:r>
+                  </m:oMath>
+                </a14:m>
+                <a:r>
+                  <a:rPr lang="en-US" sz="2400" dirty="0"/>
+                  <a:t>, </a:t>
+                </a:r>
+                <a14:m>
+                  <m:oMath xmlns:m="http://schemas.openxmlformats.org/officeDocument/2006/math">
+                    <m:r>
+                      <a:rPr lang="en-US" sz="2400" i="1" dirty="0" smtClean="0">
+                        <a:latin typeface="Cambria Math" panose="02040503050406030204" pitchFamily="18" charset="0"/>
+                      </a:rPr>
+                      <m:t>𝑆</m:t>
+                    </m:r>
+                    <m:r>
+                      <a:rPr lang="en-US" sz="2400" i="1" dirty="0">
+                        <a:latin typeface="Cambria Math" panose="02040503050406030204" pitchFamily="18" charset="0"/>
+                      </a:rPr>
+                      <m:t>(</m:t>
+                    </m:r>
+                    <m:r>
+                      <a:rPr lang="en-US" sz="2400" i="1" dirty="0">
+                        <a:latin typeface="Cambria Math" panose="02040503050406030204" pitchFamily="18" charset="0"/>
+                      </a:rPr>
+                      <m:t>𝑥</m:t>
+                    </m:r>
+                    <m:r>
+                      <a:rPr lang="en-US" sz="2400" i="1" dirty="0">
+                        <a:latin typeface="Cambria Math" panose="02040503050406030204" pitchFamily="18" charset="0"/>
+                      </a:rPr>
+                      <m:t>) = (</m:t>
+                    </m:r>
+                    <m:r>
+                      <a:rPr lang="en-US" sz="2400" i="1" dirty="0">
+                        <a:latin typeface="Cambria Math" panose="02040503050406030204" pitchFamily="18" charset="0"/>
+                      </a:rPr>
+                      <m:t>𝑠</m:t>
+                    </m:r>
+                    <m:r>
+                      <a:rPr lang="en-US" sz="2400" i="1" baseline="-25000" dirty="0">
+                        <a:latin typeface="Cambria Math" panose="02040503050406030204" pitchFamily="18" charset="0"/>
+                      </a:rPr>
+                      <m:t>1</m:t>
+                    </m:r>
+                    <m:r>
+                      <a:rPr lang="en-US" sz="2400" i="1" dirty="0">
+                        <a:latin typeface="Cambria Math" panose="02040503050406030204" pitchFamily="18" charset="0"/>
+                      </a:rPr>
+                      <m:t>,…,</m:t>
+                    </m:r>
+                    <m:r>
+                      <a:rPr lang="en-US" sz="2400" i="1" dirty="0" err="1">
+                        <a:latin typeface="Cambria Math" panose="02040503050406030204" pitchFamily="18" charset="0"/>
+                      </a:rPr>
+                      <m:t>𝑠</m:t>
+                    </m:r>
+                    <m:r>
+                      <a:rPr lang="en-US" sz="2400" i="1" baseline="-25000" dirty="0" err="1">
+                        <a:latin typeface="Cambria Math" panose="02040503050406030204" pitchFamily="18" charset="0"/>
+                      </a:rPr>
+                      <m:t>𝑘</m:t>
+                    </m:r>
+                    <m:r>
+                      <a:rPr lang="en-US" sz="2400" i="1" dirty="0">
+                        <a:latin typeface="Cambria Math" panose="02040503050406030204" pitchFamily="18" charset="0"/>
+                      </a:rPr>
+                      <m:t>) </m:t>
+                    </m:r>
+                  </m:oMath>
+                </a14:m>
+                <a:r>
+                  <a:rPr lang="en-US" sz="2400" dirty="0"/>
+                  <a:t>will be represented as </a:t>
+                </a:r>
+                <a:br>
+                  <a:rPr lang="en-US" sz="2400" dirty="0"/>
+                </a:br>
+                <a14:m>
+                  <m:oMath xmlns:m="http://schemas.openxmlformats.org/officeDocument/2006/math">
+                    <m:r>
+                      <a:rPr lang="en-US" sz="2400" i="1" dirty="0" smtClean="0">
+                        <a:latin typeface="Cambria Math" panose="02040503050406030204" pitchFamily="18" charset="0"/>
+                      </a:rPr>
+                      <m:t>(</m:t>
+                    </m:r>
+                    <m:sSub>
+                      <m:sSubPr>
+                        <m:ctrlPr>
+                          <a:rPr lang="fr-CH" sz="2400" i="1">
+                            <a:latin typeface="Cambria Math" panose="02040503050406030204" pitchFamily="18" charset="0"/>
+                          </a:rPr>
+                        </m:ctrlPr>
+                      </m:sSubPr>
+                      <m:e>
+                        <m:r>
+                          <a:rPr lang="fr-CH" sz="2400" i="1">
+                            <a:latin typeface="Cambria Math" panose="02040503050406030204" pitchFamily="18" charset="0"/>
+                          </a:rPr>
+                          <m:t>𝑠</m:t>
+                        </m:r>
+                      </m:e>
+                      <m:sub>
+                        <m:r>
+                          <a:rPr lang="fr-CH" sz="2400" b="0" i="1" smtClean="0">
+                            <a:latin typeface="Cambria Math" panose="02040503050406030204" pitchFamily="18" charset="0"/>
+                          </a:rPr>
+                          <m:t>1</m:t>
+                        </m:r>
+                      </m:sub>
+                    </m:sSub>
+                    <m:r>
+                      <a:rPr lang="en-US" sz="2400" i="1" dirty="0" smtClean="0">
+                        <a:latin typeface="Cambria Math" panose="02040503050406030204" pitchFamily="18" charset="0"/>
+                      </a:rPr>
+                      <m:t>(</m:t>
+                    </m:r>
+                    <m:r>
+                      <a:rPr lang="en-US" sz="2400" i="1" dirty="0" smtClean="0">
+                        <a:latin typeface="Cambria Math" panose="02040503050406030204" pitchFamily="18" charset="0"/>
+                      </a:rPr>
+                      <m:t>𝑥</m:t>
+                    </m:r>
+                    <m:r>
+                      <a:rPr lang="en-US" sz="2400" i="1" dirty="0">
+                        <a:latin typeface="Cambria Math" panose="02040503050406030204" pitchFamily="18" charset="0"/>
+                      </a:rPr>
+                      <m:t>)</m:t>
+                    </m:r>
+                    <m:r>
+                      <a:rPr lang="en-US" sz="2400" i="1" dirty="0" smtClean="0">
+                        <a:latin typeface="Cambria Math" panose="02040503050406030204" pitchFamily="18" charset="0"/>
+                      </a:rPr>
+                      <m:t>, </m:t>
+                    </m:r>
+                    <m:r>
+                      <a:rPr lang="en-US" sz="2400" i="1" dirty="0">
+                        <a:latin typeface="Cambria Math" panose="02040503050406030204" pitchFamily="18" charset="0"/>
+                      </a:rPr>
+                      <m:t>𝑠</m:t>
+                    </m:r>
+                    <m:r>
+                      <a:rPr lang="en-US" sz="2400" i="1" baseline="-25000" dirty="0">
+                        <a:latin typeface="Cambria Math" panose="02040503050406030204" pitchFamily="18" charset="0"/>
+                      </a:rPr>
+                      <m:t>2</m:t>
+                    </m:r>
+                    <m:r>
+                      <a:rPr lang="en-US" sz="2400" i="1" dirty="0">
+                        <a:latin typeface="Cambria Math" panose="02040503050406030204" pitchFamily="18" charset="0"/>
+                      </a:rPr>
+                      <m:t>−</m:t>
+                    </m:r>
+                    <m:sSub>
+                      <m:sSubPr>
+                        <m:ctrlPr>
+                          <a:rPr lang="fr-CH" sz="2400" i="1">
+                            <a:latin typeface="Cambria Math" panose="02040503050406030204" pitchFamily="18" charset="0"/>
+                          </a:rPr>
+                        </m:ctrlPr>
+                      </m:sSubPr>
+                      <m:e>
+                        <m:r>
+                          <a:rPr lang="fr-CH" sz="2400" i="1">
+                            <a:latin typeface="Cambria Math" panose="02040503050406030204" pitchFamily="18" charset="0"/>
+                          </a:rPr>
+                          <m:t>𝑠</m:t>
+                        </m:r>
+                      </m:e>
+                      <m:sub>
+                        <m:r>
+                          <a:rPr lang="fr-CH" sz="2400" i="1">
+                            <a:latin typeface="Cambria Math" panose="02040503050406030204" pitchFamily="18" charset="0"/>
+                          </a:rPr>
+                          <m:t>1</m:t>
+                        </m:r>
+                      </m:sub>
+                    </m:sSub>
+                    <m:r>
+                      <a:rPr lang="en-US" sz="2400" i="1" dirty="0">
+                        <a:latin typeface="Cambria Math" panose="02040503050406030204" pitchFamily="18" charset="0"/>
+                      </a:rPr>
+                      <m:t>(</m:t>
+                    </m:r>
+                    <m:r>
+                      <a:rPr lang="en-US" sz="2400" i="1" dirty="0">
+                        <a:latin typeface="Cambria Math" panose="02040503050406030204" pitchFamily="18" charset="0"/>
+                      </a:rPr>
+                      <m:t>𝑥</m:t>
+                    </m:r>
+                    <m:r>
+                      <a:rPr lang="en-US" sz="2400" i="1" dirty="0">
+                        <a:latin typeface="Cambria Math" panose="02040503050406030204" pitchFamily="18" charset="0"/>
+                      </a:rPr>
+                      <m:t>)−1,…,</m:t>
+                    </m:r>
+                    <m:sSub>
+                      <m:sSubPr>
+                        <m:ctrlPr>
+                          <a:rPr lang="en-US" sz="2400" i="1" dirty="0" smtClean="0">
+                            <a:latin typeface="Cambria Math" panose="02040503050406030204" pitchFamily="18" charset="0"/>
+                          </a:rPr>
+                        </m:ctrlPr>
+                      </m:sSubPr>
+                      <m:e>
+                        <m:r>
+                          <a:rPr lang="fr-CH" sz="2400" b="0" i="1" dirty="0" smtClean="0">
+                            <a:latin typeface="Cambria Math" panose="02040503050406030204" pitchFamily="18" charset="0"/>
+                          </a:rPr>
+                          <m:t>𝑠</m:t>
+                        </m:r>
+                      </m:e>
+                      <m:sub>
+                        <m:r>
+                          <a:rPr lang="fr-CH" sz="2400" b="0" i="1" dirty="0" smtClean="0">
+                            <a:latin typeface="Cambria Math" panose="02040503050406030204" pitchFamily="18" charset="0"/>
+                          </a:rPr>
+                          <m:t>𝑘</m:t>
+                        </m:r>
+                      </m:sub>
+                    </m:sSub>
+                    <m:r>
+                      <a:rPr lang="en-US" sz="2400" i="1" dirty="0">
+                        <a:latin typeface="Cambria Math" panose="02040503050406030204" pitchFamily="18" charset="0"/>
+                      </a:rPr>
+                      <m:t>−</m:t>
+                    </m:r>
+                    <m:sSub>
+                      <m:sSubPr>
+                        <m:ctrlPr>
+                          <a:rPr lang="en-US" sz="2400" i="1" dirty="0" smtClean="0">
+                            <a:latin typeface="Cambria Math" panose="02040503050406030204" pitchFamily="18" charset="0"/>
+                          </a:rPr>
+                        </m:ctrlPr>
+                      </m:sSubPr>
+                      <m:e>
+                        <m:r>
+                          <a:rPr lang="fr-CH" sz="2400" b="0" i="1" dirty="0" smtClean="0">
+                            <a:latin typeface="Cambria Math" panose="02040503050406030204" pitchFamily="18" charset="0"/>
+                          </a:rPr>
+                          <m:t>𝑠</m:t>
+                        </m:r>
+                      </m:e>
+                      <m:sub>
+                        <m:r>
+                          <a:rPr lang="fr-CH" sz="2400" b="0" i="1" dirty="0" smtClean="0">
+                            <a:latin typeface="Cambria Math" panose="02040503050406030204" pitchFamily="18" charset="0"/>
+                          </a:rPr>
+                          <m:t>𝑘</m:t>
+                        </m:r>
+                        <m:r>
+                          <a:rPr lang="fr-CH" sz="2400" b="0" i="1" dirty="0" smtClean="0">
+                            <a:latin typeface="Cambria Math" panose="02040503050406030204" pitchFamily="18" charset="0"/>
+                          </a:rPr>
+                          <m:t>−1</m:t>
+                        </m:r>
+                      </m:sub>
+                    </m:sSub>
+                    <m:r>
+                      <a:rPr lang="en-US" sz="2400" i="1" dirty="0">
+                        <a:latin typeface="Cambria Math" panose="02040503050406030204" pitchFamily="18" charset="0"/>
+                      </a:rPr>
+                      <m:t>−1</m:t>
+                    </m:r>
+                    <m:r>
+                      <a:rPr lang="en-US" sz="2400" i="1" dirty="0" smtClean="0">
+                        <a:latin typeface="Cambria Math" panose="02040503050406030204" pitchFamily="18" charset="0"/>
+                      </a:rPr>
+                      <m:t>)</m:t>
+                    </m:r>
+                  </m:oMath>
+                </a14:m>
+                <a:endParaRPr lang="en-US" sz="2400" dirty="0"/>
+              </a:p>
+              <a:p>
+                <a:pPr lvl="1">
+                  <a:buFont typeface="Arial" charset="0"/>
+                  <a:buChar char="–"/>
+                </a:pPr>
+                <a:r>
+                  <a:rPr lang="en-US" sz="2400" dirty="0"/>
+                  <a:t>To avoid that the first entry is negative, the first entry is</a:t>
+                </a:r>
+                <a:endParaRPr lang="fr-CH" sz="2400" b="0" i="0" dirty="0">
+                  <a:latin typeface="Cambria Math" panose="02040503050406030204" pitchFamily="18" charset="0"/>
+                </a:endParaRPr>
+              </a:p>
+              <a:p>
+                <a:pPr marL="457200" lvl="1" indent="0">
+                  <a:buNone/>
+                </a:pPr>
+                <a14:m>
+                  <m:oMathPara xmlns:m="http://schemas.openxmlformats.org/officeDocument/2006/math">
+                    <m:oMathParaPr>
+                      <m:jc m:val="centerGroup"/>
+                    </m:oMathParaPr>
+                    <m:oMath xmlns:m="http://schemas.openxmlformats.org/officeDocument/2006/math">
+                      <m:sSub>
+                        <m:sSubPr>
+                          <m:ctrlPr>
+                            <a:rPr lang="fr-CH" sz="2400" i="1">
+                              <a:latin typeface="Cambria Math" panose="02040503050406030204" pitchFamily="18" charset="0"/>
+                            </a:rPr>
+                          </m:ctrlPr>
+                        </m:sSubPr>
+                        <m:e>
+                          <m:r>
+                            <a:rPr lang="fr-CH" sz="2400" i="1">
+                              <a:latin typeface="Cambria Math" panose="02040503050406030204" pitchFamily="18" charset="0"/>
+                            </a:rPr>
+                            <m:t>𝑠</m:t>
+                          </m:r>
+                        </m:e>
+                        <m:sub>
+                          <m:r>
+                            <a:rPr lang="fr-CH" sz="2400" i="1">
+                              <a:latin typeface="Cambria Math" panose="02040503050406030204" pitchFamily="18" charset="0"/>
+                            </a:rPr>
+                            <m:t>1</m:t>
+                          </m:r>
+                        </m:sub>
+                      </m:sSub>
+                      <m:r>
+                        <a:rPr lang="fr-CH" sz="2400" b="0" i="1" dirty="0" smtClean="0">
+                          <a:latin typeface="Cambria Math" panose="02040503050406030204" pitchFamily="18" charset="0"/>
+                        </a:rPr>
+                        <m:t>(</m:t>
+                      </m:r>
+                      <m:r>
+                        <a:rPr lang="fr-CH" sz="2400" b="0" i="1" dirty="0" smtClean="0">
+                          <a:latin typeface="Cambria Math" panose="02040503050406030204" pitchFamily="18" charset="0"/>
+                        </a:rPr>
+                        <m:t>𝑥</m:t>
+                      </m:r>
+                      <m:r>
+                        <a:rPr lang="fr-CH" sz="2400" b="0" i="1" dirty="0" smtClean="0">
+                          <a:latin typeface="Cambria Math" panose="02040503050406030204" pitchFamily="18" charset="0"/>
+                        </a:rPr>
+                        <m:t>)=</m:t>
+                      </m:r>
+                      <m:d>
+                        <m:dPr>
+                          <m:begChr m:val="{"/>
+                          <m:endChr m:val=""/>
+                          <m:ctrlPr>
+                            <a:rPr lang="fr-CH" sz="2400" b="0" i="1" smtClean="0">
+                              <a:latin typeface="Cambria Math" panose="02040503050406030204" pitchFamily="18" charset="0"/>
+                            </a:rPr>
+                          </m:ctrlPr>
+                        </m:dPr>
+                        <m:e>
+                          <m:eqArr>
+                            <m:eqArrPr>
+                              <m:ctrlPr>
+                                <a:rPr lang="fr-CH" sz="2400" b="0" i="1" smtClean="0">
+                                  <a:latin typeface="Cambria Math" panose="02040503050406030204" pitchFamily="18" charset="0"/>
+                                </a:rPr>
+                              </m:ctrlPr>
+                            </m:eqArrPr>
+                            <m:e>
+                              <m:r>
+                                <a:rPr lang="fr-CH" sz="2400" b="0" i="1" smtClean="0">
+                                  <a:latin typeface="Cambria Math" panose="02040503050406030204" pitchFamily="18" charset="0"/>
+                                </a:rPr>
+                                <m:t>2</m:t>
+                              </m:r>
+                              <m:sSub>
+                                <m:sSubPr>
+                                  <m:ctrlPr>
+                                    <a:rPr lang="fr-CH" sz="2400" b="0" i="1" smtClean="0">
+                                      <a:latin typeface="Cambria Math" panose="02040503050406030204" pitchFamily="18" charset="0"/>
+                                    </a:rPr>
+                                  </m:ctrlPr>
+                                </m:sSubPr>
+                                <m:e>
+                                  <m:r>
+                                    <a:rPr lang="fr-CH" sz="2400" b="0" i="1" smtClean="0">
+                                      <a:latin typeface="Cambria Math" panose="02040503050406030204" pitchFamily="18" charset="0"/>
+                                    </a:rPr>
+                                    <m:t>(</m:t>
+                                  </m:r>
+                                  <m:r>
+                                    <a:rPr lang="fr-CH" sz="2400" b="0" i="1" smtClean="0">
+                                      <a:latin typeface="Cambria Math" panose="02040503050406030204" pitchFamily="18" charset="0"/>
+                                    </a:rPr>
+                                    <m:t>𝑠</m:t>
+                                  </m:r>
+                                </m:e>
+                                <m:sub>
+                                  <m:r>
+                                    <a:rPr lang="fr-CH" sz="2400" b="0" i="1" smtClean="0">
+                                      <a:latin typeface="Cambria Math" panose="02040503050406030204" pitchFamily="18" charset="0"/>
+                                    </a:rPr>
+                                    <m:t>1</m:t>
+                                  </m:r>
+                                </m:sub>
+                              </m:sSub>
+                              <m:r>
+                                <a:rPr lang="fr-CH" sz="2400" b="0" i="1" smtClean="0">
+                                  <a:latin typeface="Cambria Math" panose="02040503050406030204" pitchFamily="18" charset="0"/>
+                                </a:rPr>
+                                <m:t>−</m:t>
+                              </m:r>
+                              <m:r>
+                                <a:rPr lang="fr-CH" sz="2400" b="0" i="1" smtClean="0">
+                                  <a:latin typeface="Cambria Math" panose="02040503050406030204" pitchFamily="18" charset="0"/>
+                                </a:rPr>
+                                <m:t>𝑥</m:t>
+                              </m:r>
+                              <m:r>
+                                <a:rPr lang="fr-CH" sz="2400" b="0" i="1" smtClean="0">
+                                  <a:latin typeface="Cambria Math" panose="02040503050406030204" pitchFamily="18" charset="0"/>
+                                </a:rPr>
+                                <m:t>),          </m:t>
+                              </m:r>
+                              <m:r>
+                                <a:rPr lang="fr-CH" sz="2400" b="0" i="1" smtClean="0">
+                                  <a:latin typeface="Cambria Math" panose="02040503050406030204" pitchFamily="18" charset="0"/>
+                                </a:rPr>
+                                <m:t>𝑖𝑓</m:t>
+                              </m:r>
+                              <m:r>
+                                <a:rPr lang="fr-CH" sz="2400" b="0" i="1" smtClean="0">
+                                  <a:latin typeface="Cambria Math" panose="02040503050406030204" pitchFamily="18" charset="0"/>
+                                </a:rPr>
+                                <m:t> </m:t>
+                              </m:r>
+                              <m:sSub>
+                                <m:sSubPr>
+                                  <m:ctrlPr>
+                                    <a:rPr lang="fr-CH" sz="2400" i="1">
+                                      <a:latin typeface="Cambria Math" panose="02040503050406030204" pitchFamily="18" charset="0"/>
+                                    </a:rPr>
+                                  </m:ctrlPr>
+                                </m:sSubPr>
+                                <m:e>
+                                  <m:r>
+                                    <a:rPr lang="fr-CH" sz="2400" b="0" i="1" smtClean="0">
+                                      <a:latin typeface="Cambria Math" panose="02040503050406030204" pitchFamily="18" charset="0"/>
+                                    </a:rPr>
+                                    <m:t>  </m:t>
+                                  </m:r>
+                                  <m:r>
+                                    <a:rPr lang="fr-CH" sz="2400" i="1">
+                                      <a:latin typeface="Cambria Math" panose="02040503050406030204" pitchFamily="18" charset="0"/>
+                                    </a:rPr>
+                                    <m:t>𝑠</m:t>
+                                  </m:r>
+                                </m:e>
+                                <m:sub>
+                                  <m:r>
+                                    <a:rPr lang="fr-CH" sz="2400" i="1">
+                                      <a:latin typeface="Cambria Math" panose="02040503050406030204" pitchFamily="18" charset="0"/>
+                                    </a:rPr>
+                                    <m:t>1</m:t>
+                                  </m:r>
+                                </m:sub>
+                              </m:sSub>
+                              <m:r>
+                                <a:rPr lang="fr-CH" sz="2400" b="0" i="1" smtClean="0">
+                                  <a:latin typeface="Cambria Math" panose="02040503050406030204" pitchFamily="18" charset="0"/>
+                                </a:rPr>
+                                <m:t>−</m:t>
+                              </m:r>
+                              <m:r>
+                                <a:rPr lang="fr-CH" sz="2400" b="0" i="1" smtClean="0">
+                                  <a:latin typeface="Cambria Math" panose="02040503050406030204" pitchFamily="18" charset="0"/>
+                                </a:rPr>
+                                <m:t>𝑥</m:t>
+                              </m:r>
+                              <m:r>
+                                <a:rPr lang="fr-CH" sz="2400" b="0" i="1" smtClean="0">
+                                  <a:latin typeface="Cambria Math" panose="02040503050406030204" pitchFamily="18" charset="0"/>
+                                  <a:ea typeface="Cambria Math" panose="02040503050406030204" pitchFamily="18" charset="0"/>
+                                </a:rPr>
+                                <m:t>≥0</m:t>
+                              </m:r>
+                              <m:r>
+                                <a:rPr lang="fr-CH" sz="2400" b="0" i="1" smtClean="0">
+                                  <a:latin typeface="Cambria Math" panose="02040503050406030204" pitchFamily="18" charset="0"/>
+                                </a:rPr>
+                                <m:t> </m:t>
+                              </m:r>
+                            </m:e>
+                            <m:e>
+                              <m:r>
+                                <a:rPr lang="fr-CH" sz="2400" i="1">
+                                  <a:latin typeface="Cambria Math" panose="02040503050406030204" pitchFamily="18" charset="0"/>
+                                </a:rPr>
+                                <m:t>2</m:t>
+                              </m:r>
+                              <m:sSub>
+                                <m:sSubPr>
+                                  <m:ctrlPr>
+                                    <a:rPr lang="fr-CH" sz="2400" i="1">
+                                      <a:latin typeface="Cambria Math" panose="02040503050406030204" pitchFamily="18" charset="0"/>
+                                    </a:rPr>
+                                  </m:ctrlPr>
+                                </m:sSubPr>
+                                <m:e>
+                                  <m:r>
+                                    <a:rPr lang="fr-CH" sz="2400" b="0" i="1" smtClean="0">
+                                      <a:latin typeface="Cambria Math" panose="02040503050406030204" pitchFamily="18" charset="0"/>
+                                    </a:rPr>
+                                    <m:t>|</m:t>
+                                  </m:r>
+                                  <m:r>
+                                    <a:rPr lang="fr-CH" sz="2400" i="1">
+                                      <a:latin typeface="Cambria Math" panose="02040503050406030204" pitchFamily="18" charset="0"/>
+                                    </a:rPr>
+                                    <m:t>𝑠</m:t>
+                                  </m:r>
+                                </m:e>
+                                <m:sub>
+                                  <m:r>
+                                    <a:rPr lang="fr-CH" sz="2400" i="1">
+                                      <a:latin typeface="Cambria Math" panose="02040503050406030204" pitchFamily="18" charset="0"/>
+                                    </a:rPr>
+                                    <m:t>1</m:t>
+                                  </m:r>
+                                </m:sub>
+                              </m:sSub>
+                              <m:r>
+                                <a:rPr lang="fr-CH" sz="2400" i="1">
+                                  <a:latin typeface="Cambria Math" panose="02040503050406030204" pitchFamily="18" charset="0"/>
+                                </a:rPr>
+                                <m:t>−</m:t>
+                              </m:r>
+                              <m:r>
+                                <a:rPr lang="fr-CH" sz="2400" i="1">
+                                  <a:latin typeface="Cambria Math" panose="02040503050406030204" pitchFamily="18" charset="0"/>
+                                </a:rPr>
+                                <m:t>𝑥</m:t>
+                              </m:r>
+                              <m:r>
+                                <a:rPr lang="fr-CH" sz="2400" b="0" i="1" smtClean="0">
+                                  <a:latin typeface="Cambria Math" panose="02040503050406030204" pitchFamily="18" charset="0"/>
+                                </a:rPr>
+                                <m:t>|−1</m:t>
+                              </m:r>
+                              <m:r>
+                                <a:rPr lang="fr-CH" sz="2400" i="1">
+                                  <a:latin typeface="Cambria Math" panose="02040503050406030204" pitchFamily="18" charset="0"/>
+                                </a:rPr>
+                                <m:t>,</m:t>
+                              </m:r>
+                              <m:r>
+                                <a:rPr lang="fr-CH" sz="2400" b="0" i="1" smtClean="0">
+                                  <a:latin typeface="Cambria Math" panose="02040503050406030204" pitchFamily="18" charset="0"/>
+                                </a:rPr>
+                                <m:t>  </m:t>
+                              </m:r>
+                              <m:r>
+                                <a:rPr lang="fr-CH" sz="2400" i="1">
+                                  <a:latin typeface="Cambria Math" panose="02040503050406030204" pitchFamily="18" charset="0"/>
+                                </a:rPr>
+                                <m:t>𝑖𝑓</m:t>
+                              </m:r>
+                              <m:sSub>
+                                <m:sSubPr>
+                                  <m:ctrlPr>
+                                    <a:rPr lang="fr-CH" sz="2400" i="1">
+                                      <a:latin typeface="Cambria Math" panose="02040503050406030204" pitchFamily="18" charset="0"/>
+                                    </a:rPr>
+                                  </m:ctrlPr>
+                                </m:sSubPr>
+                                <m:e>
+                                  <m:r>
+                                    <a:rPr lang="fr-CH" sz="2400" b="0" i="1" smtClean="0">
+                                      <a:latin typeface="Cambria Math" panose="02040503050406030204" pitchFamily="18" charset="0"/>
+                                    </a:rPr>
+                                    <m:t>  </m:t>
+                                  </m:r>
+                                  <m:r>
+                                    <a:rPr lang="fr-CH" sz="2400" i="1">
+                                      <a:latin typeface="Cambria Math" panose="02040503050406030204" pitchFamily="18" charset="0"/>
+                                    </a:rPr>
+                                    <m:t>𝑠</m:t>
+                                  </m:r>
+                                </m:e>
+                                <m:sub>
+                                  <m:r>
+                                    <a:rPr lang="fr-CH" sz="2400" i="1">
+                                      <a:latin typeface="Cambria Math" panose="02040503050406030204" pitchFamily="18" charset="0"/>
+                                    </a:rPr>
+                                    <m:t>1</m:t>
+                                  </m:r>
+                                </m:sub>
+                              </m:sSub>
+                              <m:r>
+                                <a:rPr lang="fr-CH" sz="2400" b="0" i="1" smtClean="0">
+                                  <a:latin typeface="Cambria Math" panose="02040503050406030204" pitchFamily="18" charset="0"/>
+                                </a:rPr>
+                                <m:t>−</m:t>
+                              </m:r>
+                              <m:r>
+                                <a:rPr lang="fr-CH" sz="2400" b="0" i="1" smtClean="0">
+                                  <a:latin typeface="Cambria Math" panose="02040503050406030204" pitchFamily="18" charset="0"/>
+                                </a:rPr>
+                                <m:t>𝑥</m:t>
+                              </m:r>
+                              <m:r>
+                                <a:rPr lang="fr-CH" sz="2400" b="0" i="1" smtClean="0">
+                                  <a:latin typeface="Cambria Math" panose="02040503050406030204" pitchFamily="18" charset="0"/>
+                                </a:rPr>
+                                <m:t>&lt;0</m:t>
+                              </m:r>
+                            </m:e>
+                          </m:eqArr>
+                        </m:e>
+                      </m:d>
+                    </m:oMath>
+                  </m:oMathPara>
+                </a14:m>
+                <a:endParaRPr lang="en-US" sz="2400" dirty="0"/>
+              </a:p>
+              <a:p>
+                <a:pPr lvl="1">
+                  <a:buFont typeface="Arial" charset="0"/>
+                  <a:buChar char="–"/>
+                </a:pPr>
+                <a:r>
+                  <a:rPr lang="en-US" sz="2400" dirty="0"/>
+                  <a:t>Use of varying length encoding </a:t>
+                </a:r>
+              </a:p>
+              <a:p>
+                <a:endParaRPr lang="en-US" dirty="0"/>
+              </a:p>
+              <a:p>
+                <a:endParaRPr lang="en-US" dirty="0"/>
+              </a:p>
+              <a:p>
+                <a:endParaRPr lang="en-US" dirty="0"/>
+              </a:p>
+              <a:p>
+                <a:endParaRPr lang="en-US" dirty="0"/>
+              </a:p>
+              <a:p>
+                <a:endParaRPr lang="en-US" dirty="0"/>
+              </a:p>
+            </p:txBody>
+          </p:sp>
+        </mc:Choice>
+        <mc:Fallback>
+          <p:sp>
+            <p:nvSpPr>
+              <p:cNvPr id="3" name="Content Placeholder 2"/>
+              <p:cNvSpPr>
+                <a:spLocks noGrp="1" noRot="1" noChangeAspect="1" noMove="1" noResize="1" noEditPoints="1" noAdjustHandles="1" noChangeArrowheads="1" noChangeShapeType="1" noTextEdit="1"/>
+              </p:cNvSpPr>
+              <p:nvPr>
+                <p:ph idx="1"/>
+              </p:nvPr>
+            </p:nvSpPr>
+            <p:spPr>
+              <a:blipFill>
+                <a:blip r:embed="rId3"/>
+                <a:stretch>
+                  <a:fillRect l="-1829" t="-2267" b="-5793"/>
+                </a:stretch>
+              </a:blipFill>
+            </p:spPr>
+            <p:txBody>
+              <a:bodyPr/>
+              <a:lstStyle/>
+              <a:p>
+                <a:r>
+                  <a:rPr lang="en-CH">
+                    <a:noFill/>
+                  </a:rPr>
+                  <a:t> </a:t>
+                </a:r>
+              </a:p>
+            </p:txBody>
+          </p:sp>
+        </mc:Fallback>
+      </mc:AlternateContent>
       <p:sp>
         <p:nvSpPr>
           <p:cNvPr id="4" name="Footer Placeholder 3"/>
@@ -30273,36 +30879,6 @@
       <p:pic>
         <p:nvPicPr>
           <p:cNvPr id="5" name="Picture 4"/>
-          <p:cNvPicPr>
-            <a:picLocks noChangeAspect="1"/>
-          </p:cNvPicPr>
-          <p:nvPr/>
-        </p:nvPicPr>
-        <p:blipFill>
-          <a:blip r:embed="rId3">
-            <a:extLst>
-              <a:ext uri="{28A0092B-C50C-407E-A947-70E740481C1C}">
-                <a14:useLocalDpi xmlns:a14="http://schemas.microsoft.com/office/drawing/2010/main" val="0"/>
-              </a:ext>
-            </a:extLst>
-          </a:blip>
-          <a:stretch>
-            <a:fillRect/>
-          </a:stretch>
-        </p:blipFill>
-        <p:spPr>
-          <a:xfrm>
-            <a:off x="5073652" y="3936706"/>
-            <a:ext cx="3672408" cy="1470487"/>
-          </a:xfrm>
-          <a:prstGeom prst="rect">
-            <a:avLst/>
-          </a:prstGeom>
-        </p:spPr>
-      </p:pic>
-      <p:pic>
-        <p:nvPicPr>
-          <p:cNvPr id="6" name="Picture 5"/>
           <p:cNvPicPr>
             <a:picLocks noChangeAspect="1"/>
           </p:cNvPicPr>
@@ -30322,7 +30898,37 @@
         </p:blipFill>
         <p:spPr>
           <a:xfrm>
-            <a:off x="321124" y="3882111"/>
+            <a:off x="5076056" y="4707731"/>
+            <a:ext cx="3672408" cy="1470487"/>
+          </a:xfrm>
+          <a:prstGeom prst="rect">
+            <a:avLst/>
+          </a:prstGeom>
+        </p:spPr>
+      </p:pic>
+      <p:pic>
+        <p:nvPicPr>
+          <p:cNvPr id="6" name="Picture 5"/>
+          <p:cNvPicPr>
+            <a:picLocks noChangeAspect="1"/>
+          </p:cNvPicPr>
+          <p:nvPr/>
+        </p:nvPicPr>
+        <p:blipFill>
+          <a:blip r:embed="rId5">
+            <a:extLst>
+              <a:ext uri="{28A0092B-C50C-407E-A947-70E740481C1C}">
+                <a14:useLocalDpi xmlns:a14="http://schemas.microsoft.com/office/drawing/2010/main" val="0"/>
+              </a:ext>
+            </a:extLst>
+          </a:blip>
+          <a:stretch>
+            <a:fillRect/>
+          </a:stretch>
+        </p:blipFill>
+        <p:spPr>
+          <a:xfrm>
+            <a:off x="323528" y="4653136"/>
             <a:ext cx="3888432" cy="1579676"/>
           </a:xfrm>
           <a:prstGeom prst="rect">
@@ -30338,7 +30944,7 @@
         </p:nvSpPr>
         <p:spPr bwMode="auto">
           <a:xfrm>
-            <a:off x="4302896" y="4502072"/>
+            <a:off x="4305300" y="5273097"/>
             <a:ext cx="698748" cy="514754"/>
           </a:xfrm>
           <a:prstGeom prst="rightArrow">
@@ -34170,7 +34776,7 @@
             </a:ln>
             <a:extLst>
               <a:ext uri="{909E8E84-426E-40dd-AFC4-6F175D3DCCD1}">
-                <a14:hiddenFill xmlns="" xmlns:a14="http://schemas.microsoft.com/office/drawing/2010/main">
+                <a14:hiddenFill xmlns:a14="http://schemas.microsoft.com/office/drawing/2010/main" xmlns="">
                   <a:noFill/>
                 </a14:hiddenFill>
               </a:ext>
@@ -34211,7 +34817,7 @@
             </a:ln>
             <a:extLst>
               <a:ext uri="{909E8E84-426E-40dd-AFC4-6F175D3DCCD1}">
-                <a14:hiddenFill xmlns="" xmlns:a14="http://schemas.microsoft.com/office/drawing/2010/main">
+                <a14:hiddenFill xmlns:a14="http://schemas.microsoft.com/office/drawing/2010/main" xmlns="">
                   <a:noFill/>
                 </a14:hiddenFill>
               </a:ext>
@@ -34252,7 +34858,7 @@
             </a:ln>
             <a:extLst>
               <a:ext uri="{909E8E84-426E-40dd-AFC4-6F175D3DCCD1}">
-                <a14:hiddenFill xmlns="" xmlns:a14="http://schemas.microsoft.com/office/drawing/2010/main">
+                <a14:hiddenFill xmlns:a14="http://schemas.microsoft.com/office/drawing/2010/main" xmlns="">
                   <a:noFill/>
                 </a14:hiddenFill>
               </a:ext>
@@ -34288,14 +34894,14 @@
             </a:ln>
             <a:extLst>
               <a:ext uri="{909E8E84-426E-40dd-AFC4-6F175D3DCCD1}">
-                <a14:hiddenFill xmlns="" xmlns:a14="http://schemas.microsoft.com/office/drawing/2010/main">
+                <a14:hiddenFill xmlns:a14="http://schemas.microsoft.com/office/drawing/2010/main" xmlns="">
                   <a:solidFill>
                     <a:srgbClr val="FFFFFF"/>
                   </a:solidFill>
                 </a14:hiddenFill>
               </a:ext>
               <a:ext uri="{91240B29-F687-4f45-9708-019B960494DF}">
-                <a14:hiddenLine xmlns="" xmlns:a14="http://schemas.microsoft.com/office/drawing/2010/main" w="9525">
+                <a14:hiddenLine xmlns:a14="http://schemas.microsoft.com/office/drawing/2010/main" xmlns="" w="9525">
                   <a:solidFill>
                     <a:srgbClr val="000000"/>
                   </a:solidFill>
@@ -34481,14 +35087,14 @@
           </a:ln>
           <a:extLst>
             <a:ext uri="{909E8E84-426E-40dd-AFC4-6F175D3DCCD1}">
-              <a14:hiddenFill xmlns="" xmlns:a14="http://schemas.microsoft.com/office/drawing/2010/main">
+              <a14:hiddenFill xmlns:a14="http://schemas.microsoft.com/office/drawing/2010/main" xmlns="">
                 <a:solidFill>
                   <a:srgbClr val="FFFFFF"/>
                 </a:solidFill>
               </a14:hiddenFill>
             </a:ext>
             <a:ext uri="{91240B29-F687-4f45-9708-019B960494DF}">
-              <a14:hiddenLine xmlns="" xmlns:a14="http://schemas.microsoft.com/office/drawing/2010/main" w="9525">
+              <a14:hiddenLine xmlns:a14="http://schemas.microsoft.com/office/drawing/2010/main" xmlns="" w="9525">
                 <a:solidFill>
                   <a:srgbClr val="000000"/>
                 </a:solidFill>
